--- a/Report/乒乓球專案管理-林言珀.pptx
+++ b/Report/乒乓球專案管理-林言珀.pptx
@@ -31,28 +31,38 @@
     <p:sldId id="285" r:id="rId25"/>
     <p:sldId id="286" r:id="rId26"/>
     <p:sldId id="288" r:id="rId27"/>
-    <p:sldId id="274" r:id="rId28"/>
-    <p:sldId id="303" r:id="rId29"/>
-    <p:sldId id="295" r:id="rId30"/>
-    <p:sldId id="296" r:id="rId31"/>
-    <p:sldId id="299" r:id="rId32"/>
-    <p:sldId id="297" r:id="rId33"/>
-    <p:sldId id="300" r:id="rId34"/>
-    <p:sldId id="301" r:id="rId35"/>
-    <p:sldId id="302" r:id="rId36"/>
-    <p:sldId id="298" r:id="rId37"/>
-    <p:sldId id="305" r:id="rId38"/>
-    <p:sldId id="306" r:id="rId39"/>
-    <p:sldId id="307" r:id="rId40"/>
-    <p:sldId id="308" r:id="rId41"/>
-    <p:sldId id="309" r:id="rId42"/>
-    <p:sldId id="310" r:id="rId43"/>
-    <p:sldId id="312" r:id="rId44"/>
-    <p:sldId id="311" r:id="rId45"/>
-    <p:sldId id="313" r:id="rId46"/>
-    <p:sldId id="293" r:id="rId47"/>
-    <p:sldId id="294" r:id="rId48"/>
-    <p:sldId id="289" r:id="rId49"/>
+    <p:sldId id="303" r:id="rId28"/>
+    <p:sldId id="314" r:id="rId29"/>
+    <p:sldId id="315" r:id="rId30"/>
+    <p:sldId id="274" r:id="rId31"/>
+    <p:sldId id="295" r:id="rId32"/>
+    <p:sldId id="296" r:id="rId33"/>
+    <p:sldId id="299" r:id="rId34"/>
+    <p:sldId id="297" r:id="rId35"/>
+    <p:sldId id="300" r:id="rId36"/>
+    <p:sldId id="301" r:id="rId37"/>
+    <p:sldId id="302" r:id="rId38"/>
+    <p:sldId id="298" r:id="rId39"/>
+    <p:sldId id="305" r:id="rId40"/>
+    <p:sldId id="306" r:id="rId41"/>
+    <p:sldId id="307" r:id="rId42"/>
+    <p:sldId id="308" r:id="rId43"/>
+    <p:sldId id="309" r:id="rId44"/>
+    <p:sldId id="316" r:id="rId45"/>
+    <p:sldId id="317" r:id="rId46"/>
+    <p:sldId id="318" r:id="rId47"/>
+    <p:sldId id="319" r:id="rId48"/>
+    <p:sldId id="320" r:id="rId49"/>
+    <p:sldId id="321" r:id="rId50"/>
+    <p:sldId id="322" r:id="rId51"/>
+    <p:sldId id="323" r:id="rId52"/>
+    <p:sldId id="310" r:id="rId53"/>
+    <p:sldId id="312" r:id="rId54"/>
+    <p:sldId id="311" r:id="rId55"/>
+    <p:sldId id="313" r:id="rId56"/>
+    <p:sldId id="293" r:id="rId57"/>
+    <p:sldId id="294" r:id="rId58"/>
+    <p:sldId id="289" r:id="rId59"/>
   </p:sldIdLst>
   <p:sldSz cx="9144000" cy="6858000" type="screen4x3"/>
   <p:notesSz cx="6858000" cy="9144000"/>
@@ -328,7 +338,7 @@
           <a:p>
             <a:fld id="{3C494525-A0E8-491B-B24D-F258B0C69497}" type="datetimeFigureOut">
               <a:rPr lang="zh-TW" altLang="en-US" smtClean="0"/>
-              <a:t>2020/1/7</a:t>
+              <a:t>2020/1/8</a:t>
             </a:fld>
             <a:endParaRPr lang="zh-TW" altLang="en-US"/>
           </a:p>
@@ -658,7 +668,7 @@
           <a:p>
             <a:fld id="{3C494525-A0E8-491B-B24D-F258B0C69497}" type="datetimeFigureOut">
               <a:rPr lang="zh-TW" altLang="en-US" smtClean="0"/>
-              <a:t>2020/1/7</a:t>
+              <a:t>2020/1/8</a:t>
             </a:fld>
             <a:endParaRPr lang="zh-TW" altLang="en-US"/>
           </a:p>
@@ -838,7 +848,7 @@
           <a:p>
             <a:fld id="{3C494525-A0E8-491B-B24D-F258B0C69497}" type="datetimeFigureOut">
               <a:rPr lang="zh-TW" altLang="en-US" smtClean="0"/>
-              <a:t>2020/1/7</a:t>
+              <a:t>2020/1/8</a:t>
             </a:fld>
             <a:endParaRPr lang="zh-TW" altLang="en-US"/>
           </a:p>
@@ -1008,7 +1018,7 @@
           <a:p>
             <a:fld id="{3C494525-A0E8-491B-B24D-F258B0C69497}" type="datetimeFigureOut">
               <a:rPr lang="zh-TW" altLang="en-US" smtClean="0"/>
-              <a:t>2020/1/7</a:t>
+              <a:t>2020/1/8</a:t>
             </a:fld>
             <a:endParaRPr lang="zh-TW" altLang="en-US"/>
           </a:p>
@@ -1285,7 +1295,7 @@
           <a:p>
             <a:fld id="{3C494525-A0E8-491B-B24D-F258B0C69497}" type="datetimeFigureOut">
               <a:rPr lang="zh-TW" altLang="en-US" smtClean="0"/>
-              <a:t>2020/1/7</a:t>
+              <a:t>2020/1/8</a:t>
             </a:fld>
             <a:endParaRPr lang="zh-TW" altLang="en-US"/>
           </a:p>
@@ -1735,7 +1745,7 @@
           <a:p>
             <a:fld id="{3C494525-A0E8-491B-B24D-F258B0C69497}" type="datetimeFigureOut">
               <a:rPr lang="zh-TW" altLang="en-US" smtClean="0"/>
-              <a:t>2020/1/7</a:t>
+              <a:t>2020/1/8</a:t>
             </a:fld>
             <a:endParaRPr lang="zh-TW" altLang="en-US"/>
           </a:p>
@@ -2212,7 +2222,7 @@
           <a:p>
             <a:fld id="{3C494525-A0E8-491B-B24D-F258B0C69497}" type="datetimeFigureOut">
               <a:rPr lang="zh-TW" altLang="en-US" smtClean="0"/>
-              <a:t>2020/1/7</a:t>
+              <a:t>2020/1/8</a:t>
             </a:fld>
             <a:endParaRPr lang="zh-TW" altLang="en-US"/>
           </a:p>
@@ -2330,7 +2340,7 @@
           <a:p>
             <a:fld id="{3C494525-A0E8-491B-B24D-F258B0C69497}" type="datetimeFigureOut">
               <a:rPr lang="zh-TW" altLang="en-US" smtClean="0"/>
-              <a:t>2020/1/7</a:t>
+              <a:t>2020/1/8</a:t>
             </a:fld>
             <a:endParaRPr lang="zh-TW" altLang="en-US"/>
           </a:p>
@@ -2425,7 +2435,7 @@
           <a:p>
             <a:fld id="{3C494525-A0E8-491B-B24D-F258B0C69497}" type="datetimeFigureOut">
               <a:rPr lang="zh-TW" altLang="en-US" smtClean="0"/>
-              <a:t>2020/1/7</a:t>
+              <a:t>2020/1/8</a:t>
             </a:fld>
             <a:endParaRPr lang="zh-TW" altLang="en-US"/>
           </a:p>
@@ -2773,7 +2783,7 @@
           <a:p>
             <a:fld id="{3C494525-A0E8-491B-B24D-F258B0C69497}" type="datetimeFigureOut">
               <a:rPr lang="zh-TW" altLang="en-US" smtClean="0"/>
-              <a:t>2020/1/7</a:t>
+              <a:t>2020/1/8</a:t>
             </a:fld>
             <a:endParaRPr lang="zh-TW" altLang="en-US"/>
           </a:p>
@@ -3201,7 +3211,7 @@
           <a:p>
             <a:fld id="{3C494525-A0E8-491B-B24D-F258B0C69497}" type="datetimeFigureOut">
               <a:rPr lang="zh-TW" altLang="en-US" smtClean="0"/>
-              <a:t>2020/1/7</a:t>
+              <a:t>2020/1/8</a:t>
             </a:fld>
             <a:endParaRPr lang="zh-TW" altLang="en-US"/>
           </a:p>
@@ -3517,7 +3527,7 @@
           <a:p>
             <a:fld id="{3C494525-A0E8-491B-B24D-F258B0C69497}" type="datetimeFigureOut">
               <a:rPr lang="zh-TW" altLang="en-US" smtClean="0"/>
-              <a:t>2020/1/7</a:t>
+              <a:t>2020/1/8</a:t>
             </a:fld>
             <a:endParaRPr lang="zh-TW" altLang="en-US"/>
           </a:p>
@@ -9391,14 +9401,7 @@
                 <a:latin typeface="Meiryo UI" panose="020B0604030504040204" pitchFamily="34" charset="-128"/>
                 <a:ea typeface="Meiryo UI" panose="020B0604030504040204" pitchFamily="34" charset="-128"/>
               </a:rPr>
-              <a:t>收集的</a:t>
-            </a:r>
-            <a:r>
-              <a:rPr lang="zh-TW" altLang="en-US" dirty="0" smtClean="0">
-                <a:latin typeface="Meiryo UI" panose="020B0604030504040204" pitchFamily="34" charset="-128"/>
-                <a:ea typeface="Meiryo UI" panose="020B0604030504040204" pitchFamily="34" charset="-128"/>
-              </a:rPr>
-              <a:t>資料</a:t>
+              <a:t>收集的資料</a:t>
             </a:r>
             <a:r>
               <a:rPr lang="en-US" altLang="zh-TW" dirty="0" smtClean="0">
@@ -10166,143 +10169,6 @@
 </file>
 
 <file path=ppt/slides/slide27.xml><?xml version="1.0" encoding="utf-8"?>
-<p:sld xmlns:a="http://schemas.openxmlformats.org/drawingml/2006/main" xmlns:r="http://schemas.openxmlformats.org/officeDocument/2006/relationships" xmlns:p="http://schemas.openxmlformats.org/presentationml/2006/main">
-  <p:cSld>
-    <p:spTree>
-      <p:nvGrpSpPr>
-        <p:cNvPr id="1" name=""/>
-        <p:cNvGrpSpPr/>
-        <p:nvPr/>
-      </p:nvGrpSpPr>
-      <p:grpSpPr>
-        <a:xfrm>
-          <a:off x="0" y="0"/>
-          <a:ext cx="0" cy="0"/>
-          <a:chOff x="0" y="0"/>
-          <a:chExt cx="0" cy="0"/>
-        </a:xfrm>
-      </p:grpSpPr>
-      <p:sp>
-        <p:nvSpPr>
-          <p:cNvPr id="2" name="標題 1"/>
-          <p:cNvSpPr>
-            <a:spLocks noGrp="1"/>
-          </p:cNvSpPr>
-          <p:nvPr>
-            <p:ph type="title"/>
-          </p:nvPr>
-        </p:nvSpPr>
-        <p:spPr>
-          <a:xfrm>
-            <a:off x="762000" y="644236"/>
-            <a:ext cx="8603673" cy="1485900"/>
-          </a:xfrm>
-        </p:spPr>
-        <p:txBody>
-          <a:bodyPr>
-            <a:normAutofit/>
-          </a:bodyPr>
-          <a:lstStyle/>
-          <a:p>
-            <a:r>
-              <a:rPr lang="zh-TW" altLang="en-US" sz="4000" dirty="0" smtClean="0">
-                <a:latin typeface="Meiryo UI" panose="020B0604030504040204" pitchFamily="34" charset="-128"/>
-                <a:ea typeface="Meiryo UI" panose="020B0604030504040204" pitchFamily="34" charset="-128"/>
-              </a:rPr>
-              <a:t>設</a:t>
-            </a:r>
-            <a:r>
-              <a:rPr lang="zh-TW" altLang="en-US" sz="4000" dirty="0">
-                <a:latin typeface="Meiryo UI" panose="020B0604030504040204" pitchFamily="34" charset="-128"/>
-                <a:ea typeface="Meiryo UI" panose="020B0604030504040204" pitchFamily="34" charset="-128"/>
-              </a:rPr>
-              <a:t>計</a:t>
-            </a:r>
-            <a:r>
-              <a:rPr lang="en-US" altLang="zh-TW" sz="4000" dirty="0" smtClean="0">
-                <a:latin typeface="Meiryo UI" panose="020B0604030504040204" pitchFamily="34" charset="-128"/>
-                <a:ea typeface="Meiryo UI" panose="020B0604030504040204" pitchFamily="34" charset="-128"/>
-              </a:rPr>
-              <a:t>-</a:t>
-            </a:r>
-            <a:r>
-              <a:rPr lang="zh-TW" altLang="en-US" sz="4000" dirty="0" smtClean="0">
-                <a:latin typeface="Meiryo UI" panose="020B0604030504040204" pitchFamily="34" charset="-128"/>
-                <a:ea typeface="Meiryo UI" panose="020B0604030504040204" pitchFamily="34" charset="-128"/>
-              </a:rPr>
-              <a:t>乒乓球</a:t>
-            </a:r>
-            <a:r>
-              <a:rPr lang="en-US" altLang="zh-TW" sz="4000" dirty="0" smtClean="0">
-                <a:latin typeface="Meiryo UI" panose="020B0604030504040204" pitchFamily="34" charset="-128"/>
-                <a:ea typeface="Meiryo UI" panose="020B0604030504040204" pitchFamily="34" charset="-128"/>
-              </a:rPr>
-              <a:t>MLP</a:t>
-            </a:r>
-            <a:r>
-              <a:rPr lang="zh-TW" altLang="en-US" sz="4000" dirty="0" smtClean="0">
-                <a:latin typeface="Meiryo UI" panose="020B0604030504040204" pitchFamily="34" charset="-128"/>
-                <a:ea typeface="Meiryo UI" panose="020B0604030504040204" pitchFamily="34" charset="-128"/>
-              </a:rPr>
-              <a:t>訓練流程圖</a:t>
-            </a:r>
-            <a:endParaRPr lang="zh-TW" altLang="en-US" sz="4000" dirty="0">
-              <a:latin typeface="Meiryo UI" panose="020B0604030504040204" pitchFamily="34" charset="-128"/>
-              <a:ea typeface="Meiryo UI" panose="020B0604030504040204" pitchFamily="34" charset="-128"/>
-            </a:endParaRPr>
-          </a:p>
-        </p:txBody>
-      </p:sp>
-      <p:pic>
-        <p:nvPicPr>
-          <p:cNvPr id="4" name="內容版面配置區 3"/>
-          <p:cNvPicPr>
-            <a:picLocks noGrp="1" noChangeAspect="1"/>
-          </p:cNvPicPr>
-          <p:nvPr>
-            <p:ph idx="1"/>
-          </p:nvPr>
-        </p:nvPicPr>
-        <p:blipFill>
-          <a:blip r:embed="rId2">
-            <a:extLst>
-              <a:ext uri="{28A0092B-C50C-407E-A947-70E740481C1C}">
-                <a14:useLocalDpi xmlns:a14="http://schemas.microsoft.com/office/drawing/2010/main" val="0"/>
-              </a:ext>
-            </a:extLst>
-          </a:blip>
-          <a:stretch>
-            <a:fillRect/>
-          </a:stretch>
-        </p:blipFill>
-        <p:spPr>
-          <a:xfrm>
-            <a:off x="676643" y="2000249"/>
-            <a:ext cx="8281619" cy="3705225"/>
-          </a:xfrm>
-        </p:spPr>
-      </p:pic>
-    </p:spTree>
-    <p:extLst>
-      <p:ext uri="{BB962C8B-B14F-4D97-AF65-F5344CB8AC3E}">
-        <p14:creationId xmlns:p14="http://schemas.microsoft.com/office/powerpoint/2010/main" val="1435240290"/>
-      </p:ext>
-    </p:extLst>
-  </p:cSld>
-  <p:clrMapOvr>
-    <a:masterClrMapping/>
-  </p:clrMapOvr>
-  <p:timing>
-    <p:tnLst>
-      <p:par>
-        <p:cTn id="1" dur="indefinite" restart="never" nodeType="tmRoot"/>
-      </p:par>
-    </p:tnLst>
-  </p:timing>
-</p:sld>
-</file>
-
-<file path=ppt/slides/slide28.xml><?xml version="1.0" encoding="utf-8"?>
 <p:sld xmlns:a="http://schemas.openxmlformats.org/drawingml/2006/main" xmlns:r="http://schemas.openxmlformats.org/officeDocument/2006/relationships" xmlns:p="http://schemas.openxmlformats.org/presentationml/2006/main">
   <p:cSld>
     <p:spTree>
@@ -10978,6 +10844,448 @@
 </p:sld>
 </file>
 
+<file path=ppt/slides/slide28.xml><?xml version="1.0" encoding="utf-8"?>
+<p:sld xmlns:a="http://schemas.openxmlformats.org/drawingml/2006/main" xmlns:r="http://schemas.openxmlformats.org/officeDocument/2006/relationships" xmlns:p="http://schemas.openxmlformats.org/presentationml/2006/main">
+  <p:cSld>
+    <p:spTree>
+      <p:nvGrpSpPr>
+        <p:cNvPr id="1" name=""/>
+        <p:cNvGrpSpPr/>
+        <p:nvPr/>
+      </p:nvGrpSpPr>
+      <p:grpSpPr>
+        <a:xfrm>
+          <a:off x="0" y="0"/>
+          <a:ext cx="0" cy="0"/>
+          <a:chOff x="0" y="0"/>
+          <a:chExt cx="0" cy="0"/>
+        </a:xfrm>
+      </p:grpSpPr>
+      <p:sp>
+        <p:nvSpPr>
+          <p:cNvPr id="2" name="標題 1"/>
+          <p:cNvSpPr>
+            <a:spLocks noGrp="1"/>
+          </p:cNvSpPr>
+          <p:nvPr>
+            <p:ph type="title"/>
+          </p:nvPr>
+        </p:nvSpPr>
+        <p:spPr>
+          <a:xfrm>
+            <a:off x="775854" y="88323"/>
+            <a:ext cx="8603673" cy="1485900"/>
+          </a:xfrm>
+        </p:spPr>
+        <p:txBody>
+          <a:bodyPr>
+            <a:normAutofit/>
+          </a:bodyPr>
+          <a:lstStyle/>
+          <a:p>
+            <a:r>
+              <a:rPr lang="zh-TW" altLang="en-US" sz="4000" dirty="0" smtClean="0">
+                <a:latin typeface="Meiryo UI" panose="020B0604030504040204" pitchFamily="34" charset="-128"/>
+                <a:ea typeface="Meiryo UI" panose="020B0604030504040204" pitchFamily="34" charset="-128"/>
+              </a:rPr>
+              <a:t>分析</a:t>
+            </a:r>
+            <a:r>
+              <a:rPr lang="en-US" altLang="zh-TW" sz="4000" dirty="0" smtClean="0">
+                <a:latin typeface="Meiryo UI" panose="020B0604030504040204" pitchFamily="34" charset="-128"/>
+                <a:ea typeface="Meiryo UI" panose="020B0604030504040204" pitchFamily="34" charset="-128"/>
+              </a:rPr>
+              <a:t>-MLP</a:t>
+            </a:r>
+            <a:r>
+              <a:rPr lang="zh-TW" altLang="en-US" sz="4000" dirty="0" smtClean="0">
+                <a:latin typeface="Meiryo UI" panose="020B0604030504040204" pitchFamily="34" charset="-128"/>
+                <a:ea typeface="Meiryo UI" panose="020B0604030504040204" pitchFamily="34" charset="-128"/>
+              </a:rPr>
+              <a:t> </a:t>
+            </a:r>
+            <a:r>
+              <a:rPr lang="en-US" altLang="zh-TW" sz="4000" dirty="0" smtClean="0">
+                <a:latin typeface="Meiryo UI" panose="020B0604030504040204" pitchFamily="34" charset="-128"/>
+                <a:ea typeface="Meiryo UI" panose="020B0604030504040204" pitchFamily="34" charset="-128"/>
+              </a:rPr>
+              <a:t>8</a:t>
+            </a:r>
+            <a:r>
+              <a:rPr lang="zh-TW" altLang="en-US" sz="4000" dirty="0" smtClean="0">
+                <a:latin typeface="Meiryo UI" panose="020B0604030504040204" pitchFamily="34" charset="-128"/>
+                <a:ea typeface="Meiryo UI" panose="020B0604030504040204" pitchFamily="34" charset="-128"/>
+              </a:rPr>
+              <a:t>層神經層 </a:t>
+            </a:r>
+            <a:r>
+              <a:rPr lang="en-US" altLang="zh-TW" sz="4000" dirty="0" smtClean="0">
+                <a:latin typeface="Meiryo UI" panose="020B0604030504040204" pitchFamily="34" charset="-128"/>
+                <a:ea typeface="Meiryo UI" panose="020B0604030504040204" pitchFamily="34" charset="-128"/>
+              </a:rPr>
+              <a:t>-</a:t>
+            </a:r>
+            <a:r>
+              <a:rPr lang="en-US" altLang="zh-TW" sz="4000" dirty="0" smtClean="0">
+                <a:latin typeface="Meiryo UI" panose="020B0604030504040204" pitchFamily="34" charset="-128"/>
+                <a:ea typeface="Meiryo UI" panose="020B0604030504040204" pitchFamily="34" charset="-128"/>
+              </a:rPr>
+              <a:t>1P</a:t>
+            </a:r>
+            <a:r>
+              <a:rPr lang="zh-TW" altLang="en-US" sz="4000" dirty="0" smtClean="0">
+                <a:latin typeface="Meiryo UI" panose="020B0604030504040204" pitchFamily="34" charset="-128"/>
+                <a:ea typeface="Meiryo UI" panose="020B0604030504040204" pitchFamily="34" charset="-128"/>
+              </a:rPr>
+              <a:t>玩家 </a:t>
+            </a:r>
+            <a:endParaRPr lang="zh-TW" altLang="en-US" sz="4000" dirty="0">
+              <a:latin typeface="Meiryo UI" panose="020B0604030504040204" pitchFamily="34" charset="-128"/>
+              <a:ea typeface="Meiryo UI" panose="020B0604030504040204" pitchFamily="34" charset="-128"/>
+            </a:endParaRPr>
+          </a:p>
+        </p:txBody>
+      </p:sp>
+      <p:sp>
+        <p:nvSpPr>
+          <p:cNvPr id="3" name="文字方塊 2"/>
+          <p:cNvSpPr txBox="1"/>
+          <p:nvPr/>
+        </p:nvSpPr>
+        <p:spPr>
+          <a:xfrm>
+            <a:off x="657225" y="2907544"/>
+            <a:ext cx="5403273" cy="1200329"/>
+          </a:xfrm>
+          <a:prstGeom prst="rect">
+            <a:avLst/>
+          </a:prstGeom>
+          <a:noFill/>
+        </p:spPr>
+        <p:txBody>
+          <a:bodyPr wrap="square" rtlCol="0">
+            <a:spAutoFit/>
+          </a:bodyPr>
+          <a:lstStyle/>
+          <a:p>
+            <a:pPr marL="285750" indent="-285750">
+              <a:buFont typeface="Wingdings" panose="05000000000000000000" pitchFamily="2" charset="2"/>
+              <a:buChar char="l"/>
+            </a:pPr>
+            <a:r>
+              <a:rPr lang="zh-TW" altLang="en-US" dirty="0" smtClean="0">
+                <a:latin typeface="Meiryo UI" panose="020B0604030504040204" pitchFamily="34" charset="-128"/>
+                <a:ea typeface="Meiryo UI" panose="020B0604030504040204" pitchFamily="34" charset="-128"/>
+              </a:rPr>
+              <a:t>輸入層一層：</a:t>
+            </a:r>
+            <a:r>
+              <a:rPr lang="en-US" altLang="zh-TW" dirty="0">
+                <a:latin typeface="Meiryo UI" panose="020B0604030504040204" pitchFamily="34" charset="-128"/>
+                <a:ea typeface="Meiryo UI" panose="020B0604030504040204" pitchFamily="34" charset="-128"/>
+              </a:rPr>
+              <a:t>6</a:t>
+            </a:r>
+            <a:r>
+              <a:rPr lang="zh-TW" altLang="en-US" dirty="0" smtClean="0">
+                <a:latin typeface="Meiryo UI" panose="020B0604030504040204" pitchFamily="34" charset="-128"/>
+                <a:ea typeface="Meiryo UI" panose="020B0604030504040204" pitchFamily="34" charset="-128"/>
+              </a:rPr>
+              <a:t>個特徵</a:t>
+            </a:r>
+            <a:endParaRPr lang="en-US" altLang="zh-TW" dirty="0">
+              <a:latin typeface="Meiryo UI" panose="020B0604030504040204" pitchFamily="34" charset="-128"/>
+              <a:ea typeface="Meiryo UI" panose="020B0604030504040204" pitchFamily="34" charset="-128"/>
+            </a:endParaRPr>
+          </a:p>
+          <a:p>
+            <a:pPr marL="285750" indent="-285750">
+              <a:buFont typeface="Wingdings" panose="05000000000000000000" pitchFamily="2" charset="2"/>
+              <a:buChar char="l"/>
+            </a:pPr>
+            <a:r>
+              <a:rPr lang="zh-TW" altLang="en-US" dirty="0" smtClean="0">
+                <a:latin typeface="Meiryo UI" panose="020B0604030504040204" pitchFamily="34" charset="-128"/>
+                <a:ea typeface="Meiryo UI" panose="020B0604030504040204" pitchFamily="34" charset="-128"/>
+              </a:rPr>
+              <a:t>隱藏層六層：每層神經元都是</a:t>
+            </a:r>
+            <a:r>
+              <a:rPr lang="en-US" altLang="zh-TW" dirty="0" smtClean="0">
+                <a:latin typeface="Meiryo UI" panose="020B0604030504040204" pitchFamily="34" charset="-128"/>
+                <a:ea typeface="Meiryo UI" panose="020B0604030504040204" pitchFamily="34" charset="-128"/>
+              </a:rPr>
+              <a:t>50</a:t>
+            </a:r>
+          </a:p>
+          <a:p>
+            <a:pPr marL="285750" indent="-285750">
+              <a:buFont typeface="Wingdings" panose="05000000000000000000" pitchFamily="2" charset="2"/>
+              <a:buChar char="l"/>
+            </a:pPr>
+            <a:r>
+              <a:rPr lang="zh-TW" altLang="en-US" dirty="0" smtClean="0">
+                <a:latin typeface="Meiryo UI" panose="020B0604030504040204" pitchFamily="34" charset="-128"/>
+                <a:ea typeface="Meiryo UI" panose="020B0604030504040204" pitchFamily="34" charset="-128"/>
+              </a:rPr>
+              <a:t>輸出層一層：</a:t>
+            </a:r>
+            <a:r>
+              <a:rPr lang="en-US" altLang="zh-TW" dirty="0" smtClean="0">
+                <a:latin typeface="Meiryo UI" panose="020B0604030504040204" pitchFamily="34" charset="-128"/>
+                <a:ea typeface="Meiryo UI" panose="020B0604030504040204" pitchFamily="34" charset="-128"/>
+              </a:rPr>
+              <a:t>1</a:t>
+            </a:r>
+            <a:r>
+              <a:rPr lang="zh-TW" altLang="en-US" dirty="0" smtClean="0">
+                <a:latin typeface="Meiryo UI" panose="020B0604030504040204" pitchFamily="34" charset="-128"/>
+                <a:ea typeface="Meiryo UI" panose="020B0604030504040204" pitchFamily="34" charset="-128"/>
+              </a:rPr>
+              <a:t>個標籤</a:t>
+            </a:r>
+            <a:endParaRPr lang="en-US" altLang="zh-TW" dirty="0" smtClean="0">
+              <a:latin typeface="Meiryo UI" panose="020B0604030504040204" pitchFamily="34" charset="-128"/>
+              <a:ea typeface="Meiryo UI" panose="020B0604030504040204" pitchFamily="34" charset="-128"/>
+            </a:endParaRPr>
+          </a:p>
+          <a:p>
+            <a:pPr marL="285750" indent="-285750">
+              <a:buFont typeface="Wingdings" panose="05000000000000000000" pitchFamily="2" charset="2"/>
+              <a:buChar char="l"/>
+            </a:pPr>
+            <a:r>
+              <a:rPr lang="zh-TW" altLang="en-US" dirty="0">
+                <a:latin typeface="Meiryo UI" panose="020B0604030504040204" pitchFamily="34" charset="-128"/>
+                <a:ea typeface="Meiryo UI" panose="020B0604030504040204" pitchFamily="34" charset="-128"/>
+              </a:rPr>
+              <a:t>迭代</a:t>
+            </a:r>
+            <a:r>
+              <a:rPr lang="zh-TW" altLang="en-US" dirty="0" smtClean="0">
+                <a:latin typeface="Meiryo UI" panose="020B0604030504040204" pitchFamily="34" charset="-128"/>
+                <a:ea typeface="Meiryo UI" panose="020B0604030504040204" pitchFamily="34" charset="-128"/>
+              </a:rPr>
+              <a:t>：</a:t>
+            </a:r>
+            <a:r>
+              <a:rPr lang="en-US" altLang="zh-TW" dirty="0" smtClean="0">
+                <a:latin typeface="Meiryo UI" panose="020B0604030504040204" pitchFamily="34" charset="-128"/>
+                <a:ea typeface="Meiryo UI" panose="020B0604030504040204" pitchFamily="34" charset="-128"/>
+              </a:rPr>
+              <a:t>1000</a:t>
+            </a:r>
+            <a:r>
+              <a:rPr lang="zh-TW" altLang="en-US" dirty="0" smtClean="0">
+                <a:latin typeface="Meiryo UI" panose="020B0604030504040204" pitchFamily="34" charset="-128"/>
+                <a:ea typeface="Meiryo UI" panose="020B0604030504040204" pitchFamily="34" charset="-128"/>
+              </a:rPr>
+              <a:t>次</a:t>
+            </a:r>
+            <a:endParaRPr lang="zh-TW" altLang="en-US" dirty="0">
+              <a:latin typeface="Meiryo UI" panose="020B0604030504040204" pitchFamily="34" charset="-128"/>
+              <a:ea typeface="Meiryo UI" panose="020B0604030504040204" pitchFamily="34" charset="-128"/>
+            </a:endParaRPr>
+          </a:p>
+        </p:txBody>
+      </p:sp>
+      <p:pic>
+        <p:nvPicPr>
+          <p:cNvPr id="5" name="圖片 4"/>
+          <p:cNvPicPr>
+            <a:picLocks noChangeAspect="1"/>
+          </p:cNvPicPr>
+          <p:nvPr/>
+        </p:nvPicPr>
+        <p:blipFill>
+          <a:blip r:embed="rId2">
+            <a:extLst>
+              <a:ext uri="{28A0092B-C50C-407E-A947-70E740481C1C}">
+                <a14:useLocalDpi xmlns:a14="http://schemas.microsoft.com/office/drawing/2010/main" val="0"/>
+              </a:ext>
+            </a:extLst>
+          </a:blip>
+          <a:stretch>
+            <a:fillRect/>
+          </a:stretch>
+        </p:blipFill>
+        <p:spPr>
+          <a:xfrm>
+            <a:off x="4571568" y="1574223"/>
+            <a:ext cx="4295775" cy="5067300"/>
+          </a:xfrm>
+          <a:prstGeom prst="rect">
+            <a:avLst/>
+          </a:prstGeom>
+        </p:spPr>
+      </p:pic>
+      <p:sp>
+        <p:nvSpPr>
+          <p:cNvPr id="6" name="文字方塊 5"/>
+          <p:cNvSpPr txBox="1"/>
+          <p:nvPr/>
+        </p:nvSpPr>
+        <p:spPr>
+          <a:xfrm>
+            <a:off x="4448175" y="1085849"/>
+            <a:ext cx="904875" cy="369332"/>
+          </a:xfrm>
+          <a:prstGeom prst="rect">
+            <a:avLst/>
+          </a:prstGeom>
+          <a:noFill/>
+          <a:ln w="28575">
+            <a:solidFill>
+              <a:schemeClr val="tx1"/>
+            </a:solidFill>
+          </a:ln>
+        </p:spPr>
+        <p:txBody>
+          <a:bodyPr wrap="square" rtlCol="0">
+            <a:spAutoFit/>
+          </a:bodyPr>
+          <a:lstStyle/>
+          <a:p>
+            <a:pPr algn="ctr"/>
+            <a:r>
+              <a:rPr lang="zh-TW" altLang="en-US" dirty="0" smtClean="0">
+                <a:latin typeface="Meiryo UI" panose="020B0604030504040204" pitchFamily="34" charset="-128"/>
+                <a:ea typeface="Meiryo UI" panose="020B0604030504040204" pitchFamily="34" charset="-128"/>
+              </a:rPr>
+              <a:t>輸入層</a:t>
+            </a:r>
+            <a:endParaRPr lang="zh-TW" altLang="en-US" dirty="0">
+              <a:latin typeface="Meiryo UI" panose="020B0604030504040204" pitchFamily="34" charset="-128"/>
+              <a:ea typeface="Meiryo UI" panose="020B0604030504040204" pitchFamily="34" charset="-128"/>
+            </a:endParaRPr>
+          </a:p>
+        </p:txBody>
+      </p:sp>
+      <p:sp>
+        <p:nvSpPr>
+          <p:cNvPr id="7" name="文字方塊 6"/>
+          <p:cNvSpPr txBox="1"/>
+          <p:nvPr/>
+        </p:nvSpPr>
+        <p:spPr>
+          <a:xfrm>
+            <a:off x="6267017" y="1085849"/>
+            <a:ext cx="904875" cy="369332"/>
+          </a:xfrm>
+          <a:prstGeom prst="rect">
+            <a:avLst/>
+          </a:prstGeom>
+          <a:noFill/>
+          <a:ln w="28575">
+            <a:solidFill>
+              <a:schemeClr val="tx1"/>
+            </a:solidFill>
+          </a:ln>
+        </p:spPr>
+        <p:txBody>
+          <a:bodyPr wrap="square" rtlCol="0">
+            <a:spAutoFit/>
+          </a:bodyPr>
+          <a:lstStyle/>
+          <a:p>
+            <a:pPr algn="ctr"/>
+            <a:r>
+              <a:rPr lang="zh-TW" altLang="en-US" dirty="0" smtClean="0">
+                <a:latin typeface="Meiryo UI" panose="020B0604030504040204" pitchFamily="34" charset="-128"/>
+                <a:ea typeface="Meiryo UI" panose="020B0604030504040204" pitchFamily="34" charset="-128"/>
+              </a:rPr>
+              <a:t>隱</a:t>
+            </a:r>
+            <a:r>
+              <a:rPr lang="zh-TW" altLang="en-US" dirty="0">
+                <a:latin typeface="Meiryo UI" panose="020B0604030504040204" pitchFamily="34" charset="-128"/>
+                <a:ea typeface="Meiryo UI" panose="020B0604030504040204" pitchFamily="34" charset="-128"/>
+              </a:rPr>
+              <a:t>藏</a:t>
+            </a:r>
+            <a:r>
+              <a:rPr lang="zh-TW" altLang="en-US" dirty="0" smtClean="0">
+                <a:latin typeface="Meiryo UI" panose="020B0604030504040204" pitchFamily="34" charset="-128"/>
+                <a:ea typeface="Meiryo UI" panose="020B0604030504040204" pitchFamily="34" charset="-128"/>
+              </a:rPr>
+              <a:t>層</a:t>
+            </a:r>
+            <a:endParaRPr lang="zh-TW" altLang="en-US" dirty="0">
+              <a:latin typeface="Meiryo UI" panose="020B0604030504040204" pitchFamily="34" charset="-128"/>
+              <a:ea typeface="Meiryo UI" panose="020B0604030504040204" pitchFamily="34" charset="-128"/>
+            </a:endParaRPr>
+          </a:p>
+        </p:txBody>
+      </p:sp>
+      <p:sp>
+        <p:nvSpPr>
+          <p:cNvPr id="8" name="文字方塊 7"/>
+          <p:cNvSpPr txBox="1"/>
+          <p:nvPr/>
+        </p:nvSpPr>
+        <p:spPr>
+          <a:xfrm>
+            <a:off x="7962468" y="1085849"/>
+            <a:ext cx="904875" cy="369332"/>
+          </a:xfrm>
+          <a:prstGeom prst="rect">
+            <a:avLst/>
+          </a:prstGeom>
+          <a:noFill/>
+          <a:ln w="28575">
+            <a:solidFill>
+              <a:schemeClr val="tx1"/>
+            </a:solidFill>
+          </a:ln>
+        </p:spPr>
+        <p:txBody>
+          <a:bodyPr wrap="square" rtlCol="0">
+            <a:spAutoFit/>
+          </a:bodyPr>
+          <a:lstStyle/>
+          <a:p>
+            <a:pPr algn="ctr"/>
+            <a:r>
+              <a:rPr lang="zh-TW" altLang="en-US" dirty="0">
+                <a:latin typeface="Meiryo UI" panose="020B0604030504040204" pitchFamily="34" charset="-128"/>
+                <a:ea typeface="Meiryo UI" panose="020B0604030504040204" pitchFamily="34" charset="-128"/>
+              </a:rPr>
+              <a:t>輸出</a:t>
+            </a:r>
+            <a:r>
+              <a:rPr lang="zh-TW" altLang="en-US" dirty="0" smtClean="0">
+                <a:latin typeface="Meiryo UI" panose="020B0604030504040204" pitchFamily="34" charset="-128"/>
+                <a:ea typeface="Meiryo UI" panose="020B0604030504040204" pitchFamily="34" charset="-128"/>
+              </a:rPr>
+              <a:t>層</a:t>
+            </a:r>
+            <a:endParaRPr lang="zh-TW" altLang="en-US" dirty="0">
+              <a:latin typeface="Meiryo UI" panose="020B0604030504040204" pitchFamily="34" charset="-128"/>
+              <a:ea typeface="Meiryo UI" panose="020B0604030504040204" pitchFamily="34" charset="-128"/>
+            </a:endParaRPr>
+          </a:p>
+        </p:txBody>
+      </p:sp>
+    </p:spTree>
+    <p:extLst>
+      <p:ext uri="{BB962C8B-B14F-4D97-AF65-F5344CB8AC3E}">
+        <p14:creationId xmlns:p14="http://schemas.microsoft.com/office/powerpoint/2010/main" val="756961435"/>
+      </p:ext>
+    </p:extLst>
+  </p:cSld>
+  <p:clrMapOvr>
+    <a:masterClrMapping/>
+  </p:clrMapOvr>
+  <p:timing>
+    <p:tnLst>
+      <p:par>
+        <p:cTn id="1" dur="indefinite" restart="never" nodeType="tmRoot"/>
+      </p:par>
+    </p:tnLst>
+  </p:timing>
+</p:sld>
+</file>
+
 <file path=ppt/slides/slide29.xml><?xml version="1.0" encoding="utf-8"?>
 <p:sld xmlns:a="http://schemas.openxmlformats.org/drawingml/2006/main" xmlns:r="http://schemas.openxmlformats.org/officeDocument/2006/relationships" xmlns:p="http://schemas.openxmlformats.org/presentationml/2006/main">
   <p:cSld>
@@ -11005,7 +11313,12 @@
             <p:ph type="title"/>
           </p:nvPr>
         </p:nvSpPr>
-        <p:spPr/>
+        <p:spPr>
+          <a:xfrm>
+            <a:off x="795769" y="88323"/>
+            <a:ext cx="8603673" cy="1485900"/>
+          </a:xfrm>
+        </p:spPr>
         <p:txBody>
           <a:bodyPr>
             <a:normAutofit/>
@@ -11013,17 +11326,45 @@
           <a:lstStyle/>
           <a:p>
             <a:r>
-              <a:rPr lang="zh-TW" altLang="en-US" sz="4000" dirty="0">
-                <a:latin typeface="Meiryo UI" panose="020B0604030504040204" pitchFamily="34" charset="-128"/>
-                <a:ea typeface="Meiryo UI" panose="020B0604030504040204" pitchFamily="34" charset="-128"/>
-              </a:rPr>
-              <a:t>程式</a:t>
+              <a:rPr lang="zh-TW" altLang="en-US" sz="4000" dirty="0" smtClean="0">
+                <a:latin typeface="Meiryo UI" panose="020B0604030504040204" pitchFamily="34" charset="-128"/>
+                <a:ea typeface="Meiryo UI" panose="020B0604030504040204" pitchFamily="34" charset="-128"/>
+              </a:rPr>
+              <a:t>分析</a:t>
             </a:r>
             <a:r>
               <a:rPr lang="en-US" altLang="zh-TW" sz="4000" dirty="0" smtClean="0">
                 <a:latin typeface="Meiryo UI" panose="020B0604030504040204" pitchFamily="34" charset="-128"/>
                 <a:ea typeface="Meiryo UI" panose="020B0604030504040204" pitchFamily="34" charset="-128"/>
               </a:rPr>
+              <a:t>-MLP</a:t>
+            </a:r>
+            <a:r>
+              <a:rPr lang="zh-TW" altLang="en-US" sz="4000" dirty="0" smtClean="0">
+                <a:latin typeface="Meiryo UI" panose="020B0604030504040204" pitchFamily="34" charset="-128"/>
+                <a:ea typeface="Meiryo UI" panose="020B0604030504040204" pitchFamily="34" charset="-128"/>
+              </a:rPr>
+              <a:t> </a:t>
+            </a:r>
+            <a:r>
+              <a:rPr lang="en-US" altLang="zh-TW" sz="4000" dirty="0" smtClean="0">
+                <a:latin typeface="Meiryo UI" panose="020B0604030504040204" pitchFamily="34" charset="-128"/>
+                <a:ea typeface="Meiryo UI" panose="020B0604030504040204" pitchFamily="34" charset="-128"/>
+              </a:rPr>
+              <a:t>8</a:t>
+            </a:r>
+            <a:r>
+              <a:rPr lang="zh-TW" altLang="en-US" sz="4000" dirty="0" smtClean="0">
+                <a:latin typeface="Meiryo UI" panose="020B0604030504040204" pitchFamily="34" charset="-128"/>
+                <a:ea typeface="Meiryo UI" panose="020B0604030504040204" pitchFamily="34" charset="-128"/>
+              </a:rPr>
+              <a:t>層神經層 </a:t>
+            </a:r>
+            <a:r>
+              <a:rPr lang="en-US" altLang="zh-TW" sz="4000" dirty="0" smtClean="0">
+                <a:latin typeface="Meiryo UI" panose="020B0604030504040204" pitchFamily="34" charset="-128"/>
+                <a:ea typeface="Meiryo UI" panose="020B0604030504040204" pitchFamily="34" charset="-128"/>
+              </a:rPr>
               <a:t>-</a:t>
             </a:r>
             <a:r>
@@ -11031,49 +11372,353 @@
                 <a:latin typeface="Meiryo UI" panose="020B0604030504040204" pitchFamily="34" charset="-128"/>
                 <a:ea typeface="Meiryo UI" panose="020B0604030504040204" pitchFamily="34" charset="-128"/>
               </a:rPr>
-              <a:t>手寫</a:t>
+              <a:t> </a:t>
             </a:r>
             <a:r>
               <a:rPr lang="en-US" altLang="zh-TW" sz="4000" dirty="0" smtClean="0">
                 <a:latin typeface="Meiryo UI" panose="020B0604030504040204" pitchFamily="34" charset="-128"/>
                 <a:ea typeface="Meiryo UI" panose="020B0604030504040204" pitchFamily="34" charset="-128"/>
               </a:rPr>
-              <a:t>MLP</a:t>
-            </a:r>
-            <a:endParaRPr lang="zh-TW" altLang="en-US" sz="4000" dirty="0"/>
+              <a:t>2</a:t>
+            </a:r>
+            <a:r>
+              <a:rPr lang="en-US" altLang="zh-TW" sz="4000" dirty="0" smtClean="0">
+                <a:latin typeface="Meiryo UI" panose="020B0604030504040204" pitchFamily="34" charset="-128"/>
+                <a:ea typeface="Meiryo UI" panose="020B0604030504040204" pitchFamily="34" charset="-128"/>
+              </a:rPr>
+              <a:t>P</a:t>
+            </a:r>
+            <a:r>
+              <a:rPr lang="zh-TW" altLang="en-US" sz="4000" dirty="0" smtClean="0">
+                <a:latin typeface="Meiryo UI" panose="020B0604030504040204" pitchFamily="34" charset="-128"/>
+                <a:ea typeface="Meiryo UI" panose="020B0604030504040204" pitchFamily="34" charset="-128"/>
+              </a:rPr>
+              <a:t>玩家 </a:t>
+            </a:r>
+            <a:endParaRPr lang="zh-TW" altLang="en-US" sz="4000" dirty="0">
+              <a:latin typeface="Meiryo UI" panose="020B0604030504040204" pitchFamily="34" charset="-128"/>
+              <a:ea typeface="Meiryo UI" panose="020B0604030504040204" pitchFamily="34" charset="-128"/>
+            </a:endParaRPr>
+          </a:p>
+        </p:txBody>
+      </p:sp>
+      <p:sp>
+        <p:nvSpPr>
+          <p:cNvPr id="3" name="文字方塊 2"/>
+          <p:cNvSpPr txBox="1"/>
+          <p:nvPr/>
+        </p:nvSpPr>
+        <p:spPr>
+          <a:xfrm>
+            <a:off x="671080" y="2812473"/>
+            <a:ext cx="5403273" cy="1200329"/>
+          </a:xfrm>
+          <a:prstGeom prst="rect">
+            <a:avLst/>
+          </a:prstGeom>
+          <a:noFill/>
+        </p:spPr>
+        <p:txBody>
+          <a:bodyPr wrap="square" rtlCol="0">
+            <a:spAutoFit/>
+          </a:bodyPr>
+          <a:lstStyle/>
+          <a:p>
+            <a:pPr marL="285750" indent="-285750">
+              <a:buFont typeface="Wingdings" panose="05000000000000000000" pitchFamily="2" charset="2"/>
+              <a:buChar char="l"/>
+            </a:pPr>
+            <a:r>
+              <a:rPr lang="zh-TW" altLang="en-US" dirty="0" smtClean="0">
+                <a:latin typeface="Meiryo UI" panose="020B0604030504040204" pitchFamily="34" charset="-128"/>
+                <a:ea typeface="Meiryo UI" panose="020B0604030504040204" pitchFamily="34" charset="-128"/>
+              </a:rPr>
+              <a:t>輸入層一層：</a:t>
+            </a:r>
+            <a:r>
+              <a:rPr lang="en-US" altLang="zh-TW" dirty="0">
+                <a:latin typeface="Meiryo UI" panose="020B0604030504040204" pitchFamily="34" charset="-128"/>
+                <a:ea typeface="Meiryo UI" panose="020B0604030504040204" pitchFamily="34" charset="-128"/>
+              </a:rPr>
+              <a:t>6</a:t>
+            </a:r>
+            <a:r>
+              <a:rPr lang="zh-TW" altLang="en-US" dirty="0" smtClean="0">
+                <a:latin typeface="Meiryo UI" panose="020B0604030504040204" pitchFamily="34" charset="-128"/>
+                <a:ea typeface="Meiryo UI" panose="020B0604030504040204" pitchFamily="34" charset="-128"/>
+              </a:rPr>
+              <a:t>個特徵</a:t>
+            </a:r>
+            <a:endParaRPr lang="en-US" altLang="zh-TW" dirty="0">
+              <a:latin typeface="Meiryo UI" panose="020B0604030504040204" pitchFamily="34" charset="-128"/>
+              <a:ea typeface="Meiryo UI" panose="020B0604030504040204" pitchFamily="34" charset="-128"/>
+            </a:endParaRPr>
+          </a:p>
+          <a:p>
+            <a:pPr marL="285750" indent="-285750">
+              <a:buFont typeface="Wingdings" panose="05000000000000000000" pitchFamily="2" charset="2"/>
+              <a:buChar char="l"/>
+            </a:pPr>
+            <a:r>
+              <a:rPr lang="zh-TW" altLang="en-US" dirty="0" smtClean="0">
+                <a:latin typeface="Meiryo UI" panose="020B0604030504040204" pitchFamily="34" charset="-128"/>
+                <a:ea typeface="Meiryo UI" panose="020B0604030504040204" pitchFamily="34" charset="-128"/>
+              </a:rPr>
+              <a:t>隱藏層六層：每層神經元都是</a:t>
+            </a:r>
+            <a:r>
+              <a:rPr lang="en-US" altLang="zh-TW" dirty="0" smtClean="0">
+                <a:latin typeface="Meiryo UI" panose="020B0604030504040204" pitchFamily="34" charset="-128"/>
+                <a:ea typeface="Meiryo UI" panose="020B0604030504040204" pitchFamily="34" charset="-128"/>
+              </a:rPr>
+              <a:t>200</a:t>
+            </a:r>
+          </a:p>
+          <a:p>
+            <a:pPr marL="285750" indent="-285750">
+              <a:buFont typeface="Wingdings" panose="05000000000000000000" pitchFamily="2" charset="2"/>
+              <a:buChar char="l"/>
+            </a:pPr>
+            <a:r>
+              <a:rPr lang="zh-TW" altLang="en-US" dirty="0" smtClean="0">
+                <a:latin typeface="Meiryo UI" panose="020B0604030504040204" pitchFamily="34" charset="-128"/>
+                <a:ea typeface="Meiryo UI" panose="020B0604030504040204" pitchFamily="34" charset="-128"/>
+              </a:rPr>
+              <a:t>輸出層一層：</a:t>
+            </a:r>
+            <a:r>
+              <a:rPr lang="en-US" altLang="zh-TW" dirty="0" smtClean="0">
+                <a:latin typeface="Meiryo UI" panose="020B0604030504040204" pitchFamily="34" charset="-128"/>
+                <a:ea typeface="Meiryo UI" panose="020B0604030504040204" pitchFamily="34" charset="-128"/>
+              </a:rPr>
+              <a:t>1</a:t>
+            </a:r>
+            <a:r>
+              <a:rPr lang="zh-TW" altLang="en-US" dirty="0" smtClean="0">
+                <a:latin typeface="Meiryo UI" panose="020B0604030504040204" pitchFamily="34" charset="-128"/>
+                <a:ea typeface="Meiryo UI" panose="020B0604030504040204" pitchFamily="34" charset="-128"/>
+              </a:rPr>
+              <a:t>個標籤</a:t>
+            </a:r>
+            <a:endParaRPr lang="en-US" altLang="zh-TW" dirty="0" smtClean="0">
+              <a:latin typeface="Meiryo UI" panose="020B0604030504040204" pitchFamily="34" charset="-128"/>
+              <a:ea typeface="Meiryo UI" panose="020B0604030504040204" pitchFamily="34" charset="-128"/>
+            </a:endParaRPr>
+          </a:p>
+          <a:p>
+            <a:pPr marL="285750" indent="-285750">
+              <a:buFont typeface="Wingdings" panose="05000000000000000000" pitchFamily="2" charset="2"/>
+              <a:buChar char="l"/>
+            </a:pPr>
+            <a:r>
+              <a:rPr lang="zh-TW" altLang="en-US" dirty="0" smtClean="0">
+                <a:latin typeface="Meiryo UI" panose="020B0604030504040204" pitchFamily="34" charset="-128"/>
+                <a:ea typeface="Meiryo UI" panose="020B0604030504040204" pitchFamily="34" charset="-128"/>
+              </a:rPr>
+              <a:t>迭代：</a:t>
+            </a:r>
+            <a:r>
+              <a:rPr lang="en-US" altLang="zh-TW" dirty="0" smtClean="0">
+                <a:latin typeface="Meiryo UI" panose="020B0604030504040204" pitchFamily="34" charset="-128"/>
+                <a:ea typeface="Meiryo UI" panose="020B0604030504040204" pitchFamily="34" charset="-128"/>
+              </a:rPr>
+              <a:t>200</a:t>
+            </a:r>
+            <a:r>
+              <a:rPr lang="zh-TW" altLang="en-US" dirty="0" smtClean="0">
+                <a:latin typeface="Meiryo UI" panose="020B0604030504040204" pitchFamily="34" charset="-128"/>
+                <a:ea typeface="Meiryo UI" panose="020B0604030504040204" pitchFamily="34" charset="-128"/>
+              </a:rPr>
+              <a:t>次</a:t>
+            </a:r>
+            <a:endParaRPr lang="zh-TW" altLang="en-US" dirty="0">
+              <a:latin typeface="Meiryo UI" panose="020B0604030504040204" pitchFamily="34" charset="-128"/>
+              <a:ea typeface="Meiryo UI" panose="020B0604030504040204" pitchFamily="34" charset="-128"/>
+            </a:endParaRPr>
           </a:p>
         </p:txBody>
       </p:sp>
       <p:pic>
         <p:nvPicPr>
-          <p:cNvPr id="4" name="內容版面配置區 3"/>
+          <p:cNvPr id="4" name="圖片 3"/>
           <p:cNvPicPr>
-            <a:picLocks noGrp="1" noChangeAspect="1"/>
+            <a:picLocks noChangeAspect="1"/>
           </p:cNvPicPr>
-          <p:nvPr>
-            <p:ph idx="1"/>
-          </p:nvPr>
+          <p:nvPr/>
         </p:nvPicPr>
         <p:blipFill>
-          <a:blip r:embed="rId2"/>
+          <a:blip r:embed="rId2">
+            <a:extLst>
+              <a:ext uri="{28A0092B-C50C-407E-A947-70E740481C1C}">
+                <a14:useLocalDpi xmlns:a14="http://schemas.microsoft.com/office/drawing/2010/main" val="0"/>
+              </a:ext>
+            </a:extLst>
+          </a:blip>
           <a:stretch>
             <a:fillRect/>
           </a:stretch>
         </p:blipFill>
         <p:spPr>
           <a:xfrm>
-            <a:off x="576263" y="2171700"/>
-            <a:ext cx="8429178" cy="2657475"/>
+            <a:off x="4571568" y="1574223"/>
+            <a:ext cx="4295775" cy="5067300"/>
           </a:xfrm>
           <a:prstGeom prst="rect">
             <a:avLst/>
           </a:prstGeom>
         </p:spPr>
       </p:pic>
+      <p:sp>
+        <p:nvSpPr>
+          <p:cNvPr id="5" name="文字方塊 4"/>
+          <p:cNvSpPr txBox="1"/>
+          <p:nvPr/>
+        </p:nvSpPr>
+        <p:spPr>
+          <a:xfrm>
+            <a:off x="4448175" y="1085849"/>
+            <a:ext cx="904875" cy="369332"/>
+          </a:xfrm>
+          <a:prstGeom prst="rect">
+            <a:avLst/>
+          </a:prstGeom>
+          <a:noFill/>
+          <a:ln w="28575">
+            <a:solidFill>
+              <a:schemeClr val="tx1"/>
+            </a:solidFill>
+          </a:ln>
+        </p:spPr>
+        <p:txBody>
+          <a:bodyPr wrap="square" rtlCol="0">
+            <a:spAutoFit/>
+          </a:bodyPr>
+          <a:lstStyle/>
+          <a:p>
+            <a:pPr algn="ctr"/>
+            <a:r>
+              <a:rPr lang="zh-TW" altLang="en-US" dirty="0" smtClean="0">
+                <a:latin typeface="Meiryo UI" panose="020B0604030504040204" pitchFamily="34" charset="-128"/>
+                <a:ea typeface="Meiryo UI" panose="020B0604030504040204" pitchFamily="34" charset="-128"/>
+              </a:rPr>
+              <a:t>輸入層</a:t>
+            </a:r>
+            <a:endParaRPr lang="zh-TW" altLang="en-US" dirty="0">
+              <a:latin typeface="Meiryo UI" panose="020B0604030504040204" pitchFamily="34" charset="-128"/>
+              <a:ea typeface="Meiryo UI" panose="020B0604030504040204" pitchFamily="34" charset="-128"/>
+            </a:endParaRPr>
+          </a:p>
+        </p:txBody>
+      </p:sp>
+      <p:sp>
+        <p:nvSpPr>
+          <p:cNvPr id="6" name="文字方塊 5"/>
+          <p:cNvSpPr txBox="1"/>
+          <p:nvPr/>
+        </p:nvSpPr>
+        <p:spPr>
+          <a:xfrm>
+            <a:off x="6267017" y="1085849"/>
+            <a:ext cx="904875" cy="369332"/>
+          </a:xfrm>
+          <a:prstGeom prst="rect">
+            <a:avLst/>
+          </a:prstGeom>
+          <a:noFill/>
+          <a:ln w="28575">
+            <a:solidFill>
+              <a:schemeClr val="tx1"/>
+            </a:solidFill>
+          </a:ln>
+        </p:spPr>
+        <p:txBody>
+          <a:bodyPr wrap="square" rtlCol="0">
+            <a:spAutoFit/>
+          </a:bodyPr>
+          <a:lstStyle/>
+          <a:p>
+            <a:pPr algn="ctr"/>
+            <a:r>
+              <a:rPr lang="zh-TW" altLang="en-US" dirty="0" smtClean="0">
+                <a:latin typeface="Meiryo UI" panose="020B0604030504040204" pitchFamily="34" charset="-128"/>
+                <a:ea typeface="Meiryo UI" panose="020B0604030504040204" pitchFamily="34" charset="-128"/>
+              </a:rPr>
+              <a:t>隱</a:t>
+            </a:r>
+            <a:r>
+              <a:rPr lang="zh-TW" altLang="en-US" dirty="0">
+                <a:latin typeface="Meiryo UI" panose="020B0604030504040204" pitchFamily="34" charset="-128"/>
+                <a:ea typeface="Meiryo UI" panose="020B0604030504040204" pitchFamily="34" charset="-128"/>
+              </a:rPr>
+              <a:t>藏</a:t>
+            </a:r>
+            <a:r>
+              <a:rPr lang="zh-TW" altLang="en-US" dirty="0" smtClean="0">
+                <a:latin typeface="Meiryo UI" panose="020B0604030504040204" pitchFamily="34" charset="-128"/>
+                <a:ea typeface="Meiryo UI" panose="020B0604030504040204" pitchFamily="34" charset="-128"/>
+              </a:rPr>
+              <a:t>層</a:t>
+            </a:r>
+            <a:endParaRPr lang="zh-TW" altLang="en-US" dirty="0">
+              <a:latin typeface="Meiryo UI" panose="020B0604030504040204" pitchFamily="34" charset="-128"/>
+              <a:ea typeface="Meiryo UI" panose="020B0604030504040204" pitchFamily="34" charset="-128"/>
+            </a:endParaRPr>
+          </a:p>
+        </p:txBody>
+      </p:sp>
+      <p:sp>
+        <p:nvSpPr>
+          <p:cNvPr id="7" name="文字方塊 6"/>
+          <p:cNvSpPr txBox="1"/>
+          <p:nvPr/>
+        </p:nvSpPr>
+        <p:spPr>
+          <a:xfrm>
+            <a:off x="7962468" y="1085849"/>
+            <a:ext cx="904875" cy="369332"/>
+          </a:xfrm>
+          <a:prstGeom prst="rect">
+            <a:avLst/>
+          </a:prstGeom>
+          <a:noFill/>
+          <a:ln w="28575">
+            <a:solidFill>
+              <a:schemeClr val="tx1"/>
+            </a:solidFill>
+          </a:ln>
+        </p:spPr>
+        <p:txBody>
+          <a:bodyPr wrap="square" rtlCol="0">
+            <a:spAutoFit/>
+          </a:bodyPr>
+          <a:lstStyle/>
+          <a:p>
+            <a:pPr algn="ctr"/>
+            <a:r>
+              <a:rPr lang="zh-TW" altLang="en-US" dirty="0">
+                <a:latin typeface="Meiryo UI" panose="020B0604030504040204" pitchFamily="34" charset="-128"/>
+                <a:ea typeface="Meiryo UI" panose="020B0604030504040204" pitchFamily="34" charset="-128"/>
+              </a:rPr>
+              <a:t>輸出</a:t>
+            </a:r>
+            <a:r>
+              <a:rPr lang="zh-TW" altLang="en-US" dirty="0" smtClean="0">
+                <a:latin typeface="Meiryo UI" panose="020B0604030504040204" pitchFamily="34" charset="-128"/>
+                <a:ea typeface="Meiryo UI" panose="020B0604030504040204" pitchFamily="34" charset="-128"/>
+              </a:rPr>
+              <a:t>層</a:t>
+            </a:r>
+            <a:endParaRPr lang="zh-TW" altLang="en-US" dirty="0">
+              <a:latin typeface="Meiryo UI" panose="020B0604030504040204" pitchFamily="34" charset="-128"/>
+              <a:ea typeface="Meiryo UI" panose="020B0604030504040204" pitchFamily="34" charset="-128"/>
+            </a:endParaRPr>
+          </a:p>
+        </p:txBody>
+      </p:sp>
     </p:spTree>
     <p:extLst>
       <p:ext uri="{BB962C8B-B14F-4D97-AF65-F5344CB8AC3E}">
-        <p14:creationId xmlns:p14="http://schemas.microsoft.com/office/powerpoint/2010/main" val="689828823"/>
+        <p14:creationId xmlns:p14="http://schemas.microsoft.com/office/powerpoint/2010/main" val="1128803538"/>
       </p:ext>
     </p:extLst>
   </p:cSld>
@@ -11645,7 +12290,12 @@
             <p:ph type="title"/>
           </p:nvPr>
         </p:nvSpPr>
-        <p:spPr/>
+        <p:spPr>
+          <a:xfrm>
+            <a:off x="762000" y="644236"/>
+            <a:ext cx="8603673" cy="1485900"/>
+          </a:xfrm>
+        </p:spPr>
         <p:txBody>
           <a:bodyPr>
             <a:normAutofit/>
@@ -11653,33 +12303,57 @@
           <a:lstStyle/>
           <a:p>
             <a:r>
+              <a:rPr lang="zh-TW" altLang="en-US" sz="4000" dirty="0" smtClean="0">
+                <a:latin typeface="Meiryo UI" panose="020B0604030504040204" pitchFamily="34" charset="-128"/>
+                <a:ea typeface="Meiryo UI" panose="020B0604030504040204" pitchFamily="34" charset="-128"/>
+              </a:rPr>
+              <a:t>設</a:t>
+            </a:r>
+            <a:r>
               <a:rPr lang="zh-TW" altLang="en-US" sz="4000" dirty="0">
                 <a:latin typeface="Meiryo UI" panose="020B0604030504040204" pitchFamily="34" charset="-128"/>
                 <a:ea typeface="Meiryo UI" panose="020B0604030504040204" pitchFamily="34" charset="-128"/>
               </a:rPr>
-              <a:t>程式</a:t>
+              <a:t>計</a:t>
             </a:r>
             <a:r>
               <a:rPr lang="en-US" altLang="zh-TW" sz="4000" dirty="0" smtClean="0">
                 <a:latin typeface="Meiryo UI" panose="020B0604030504040204" pitchFamily="34" charset="-128"/>
                 <a:ea typeface="Meiryo UI" panose="020B0604030504040204" pitchFamily="34" charset="-128"/>
               </a:rPr>
-              <a:t>-activation </a:t>
-            </a:r>
-            <a:r>
-              <a:rPr lang="en-US" altLang="zh-TW" sz="4000" dirty="0" err="1" smtClean="0">
-                <a:latin typeface="Meiryo UI" panose="020B0604030504040204" pitchFamily="34" charset="-128"/>
-                <a:ea typeface="Meiryo UI" panose="020B0604030504040204" pitchFamily="34" charset="-128"/>
-              </a:rPr>
-              <a:t>relu</a:t>
-            </a:r>
-            <a:endParaRPr lang="zh-TW" altLang="en-US" sz="4000" dirty="0"/>
+              <a:t>-</a:t>
+            </a:r>
+            <a:r>
+              <a:rPr lang="zh-TW" altLang="en-US" sz="4000" dirty="0" smtClean="0">
+                <a:latin typeface="Meiryo UI" panose="020B0604030504040204" pitchFamily="34" charset="-128"/>
+                <a:ea typeface="Meiryo UI" panose="020B0604030504040204" pitchFamily="34" charset="-128"/>
+              </a:rPr>
+              <a:t>乒乓球</a:t>
+            </a:r>
+            <a:r>
+              <a:rPr lang="en-US" altLang="zh-TW" sz="4000" dirty="0" smtClean="0">
+                <a:latin typeface="Meiryo UI" panose="020B0604030504040204" pitchFamily="34" charset="-128"/>
+                <a:ea typeface="Meiryo UI" panose="020B0604030504040204" pitchFamily="34" charset="-128"/>
+              </a:rPr>
+              <a:t>MLP</a:t>
+            </a:r>
+            <a:r>
+              <a:rPr lang="zh-TW" altLang="en-US" sz="4000" dirty="0" smtClean="0">
+                <a:latin typeface="Meiryo UI" panose="020B0604030504040204" pitchFamily="34" charset="-128"/>
+                <a:ea typeface="Meiryo UI" panose="020B0604030504040204" pitchFamily="34" charset="-128"/>
+              </a:rPr>
+              <a:t>訓練流程圖</a:t>
+            </a:r>
+            <a:endParaRPr lang="zh-TW" altLang="en-US" sz="4000" dirty="0">
+              <a:latin typeface="Meiryo UI" panose="020B0604030504040204" pitchFamily="34" charset="-128"/>
+              <a:ea typeface="Meiryo UI" panose="020B0604030504040204" pitchFamily="34" charset="-128"/>
+            </a:endParaRPr>
           </a:p>
         </p:txBody>
       </p:sp>
       <p:pic>
         <p:nvPicPr>
-          <p:cNvPr id="5" name="內容版面配置區 4"/>
+          <p:cNvPr id="4" name="內容版面配置區 3"/>
           <p:cNvPicPr>
             <a:picLocks noGrp="1" noChangeAspect="1"/>
           </p:cNvPicPr>
@@ -11688,25 +12362,28 @@
           </p:nvPr>
         </p:nvPicPr>
         <p:blipFill>
-          <a:blip r:embed="rId2"/>
+          <a:blip r:embed="rId2">
+            <a:extLst>
+              <a:ext uri="{28A0092B-C50C-407E-A947-70E740481C1C}">
+                <a14:useLocalDpi xmlns:a14="http://schemas.microsoft.com/office/drawing/2010/main" val="0"/>
+              </a:ext>
+            </a:extLst>
+          </a:blip>
           <a:stretch>
             <a:fillRect/>
           </a:stretch>
         </p:blipFill>
         <p:spPr>
           <a:xfrm>
-            <a:off x="790575" y="1428750"/>
-            <a:ext cx="8143875" cy="5176886"/>
+            <a:off x="676643" y="2000249"/>
+            <a:ext cx="8281619" cy="3705225"/>
           </a:xfrm>
-          <a:prstGeom prst="rect">
-            <a:avLst/>
-          </a:prstGeom>
         </p:spPr>
       </p:pic>
     </p:spTree>
     <p:extLst>
       <p:ext uri="{BB962C8B-B14F-4D97-AF65-F5344CB8AC3E}">
-        <p14:creationId xmlns:p14="http://schemas.microsoft.com/office/powerpoint/2010/main" val="1643371354"/>
+        <p14:creationId xmlns:p14="http://schemas.microsoft.com/office/powerpoint/2010/main" val="1435240290"/>
       </p:ext>
     </p:extLst>
   </p:cSld>
@@ -11772,18 +12449,18 @@
               <a:t>-</a:t>
             </a:r>
             <a:r>
-              <a:rPr lang="en-US" altLang="zh-TW" sz="4000" dirty="0">
-                <a:latin typeface="Meiryo UI" panose="020B0604030504040204" pitchFamily="34" charset="-128"/>
-                <a:ea typeface="Meiryo UI" panose="020B0604030504040204" pitchFamily="34" charset="-128"/>
-              </a:rPr>
-              <a:t>activation </a:t>
+              <a:rPr lang="zh-TW" altLang="en-US" sz="4000" dirty="0" smtClean="0">
+                <a:latin typeface="Meiryo UI" panose="020B0604030504040204" pitchFamily="34" charset="-128"/>
+                <a:ea typeface="Meiryo UI" panose="020B0604030504040204" pitchFamily="34" charset="-128"/>
+              </a:rPr>
+              <a:t>手寫</a:t>
             </a:r>
             <a:r>
               <a:rPr lang="en-US" altLang="zh-TW" sz="4000" dirty="0" smtClean="0">
                 <a:latin typeface="Meiryo UI" panose="020B0604030504040204" pitchFamily="34" charset="-128"/>
                 <a:ea typeface="Meiryo UI" panose="020B0604030504040204" pitchFamily="34" charset="-128"/>
               </a:rPr>
-              <a:t>linear</a:t>
+              <a:t>MLP</a:t>
             </a:r>
             <a:endParaRPr lang="zh-TW" altLang="en-US" sz="4000" dirty="0"/>
           </a:p>
@@ -11807,8 +12484,8 @@
         </p:blipFill>
         <p:spPr>
           <a:xfrm>
-            <a:off x="647319" y="1362075"/>
-            <a:ext cx="8149371" cy="5076825"/>
+            <a:off x="576263" y="2171700"/>
+            <a:ext cx="8429178" cy="2657475"/>
           </a:xfrm>
           <a:prstGeom prst="rect">
             <a:avLst/>
@@ -11818,7 +12495,7 @@
     </p:spTree>
     <p:extLst>
       <p:ext uri="{BB962C8B-B14F-4D97-AF65-F5344CB8AC3E}">
-        <p14:creationId xmlns:p14="http://schemas.microsoft.com/office/powerpoint/2010/main" val="2335426460"/>
+        <p14:creationId xmlns:p14="http://schemas.microsoft.com/office/powerpoint/2010/main" val="689828823"/>
       </p:ext>
     </p:extLst>
   </p:cSld>
@@ -11881,7 +12558,14 @@
                 <a:latin typeface="Meiryo UI" panose="020B0604030504040204" pitchFamily="34" charset="-128"/>
                 <a:ea typeface="Meiryo UI" panose="020B0604030504040204" pitchFamily="34" charset="-128"/>
               </a:rPr>
-              <a:t>-layers initial</a:t>
+              <a:t>-activation </a:t>
+            </a:r>
+            <a:r>
+              <a:rPr lang="en-US" altLang="zh-TW" sz="4000" dirty="0" err="1" smtClean="0">
+                <a:latin typeface="Meiryo UI" panose="020B0604030504040204" pitchFamily="34" charset="-128"/>
+                <a:ea typeface="Meiryo UI" panose="020B0604030504040204" pitchFamily="34" charset="-128"/>
+              </a:rPr>
+              <a:t>relu</a:t>
             </a:r>
             <a:endParaRPr lang="zh-TW" altLang="en-US" sz="4000" dirty="0"/>
           </a:p>
@@ -11905,8 +12589,8 @@
         </p:blipFill>
         <p:spPr>
           <a:xfrm>
-            <a:off x="1285875" y="1495425"/>
-            <a:ext cx="6943725" cy="4923268"/>
+            <a:off x="790575" y="1428750"/>
+            <a:ext cx="8143875" cy="5176886"/>
           </a:xfrm>
           <a:prstGeom prst="rect">
             <a:avLst/>
@@ -11916,7 +12600,7 @@
     </p:spTree>
     <p:extLst>
       <p:ext uri="{BB962C8B-B14F-4D97-AF65-F5344CB8AC3E}">
-        <p14:creationId xmlns:p14="http://schemas.microsoft.com/office/powerpoint/2010/main" val="2840950849"/>
+        <p14:creationId xmlns:p14="http://schemas.microsoft.com/office/powerpoint/2010/main" val="1643371354"/>
       </p:ext>
     </p:extLst>
   </p:cSld>
@@ -11979,7 +12663,21 @@
                 <a:latin typeface="Meiryo UI" panose="020B0604030504040204" pitchFamily="34" charset="-128"/>
                 <a:ea typeface="Meiryo UI" panose="020B0604030504040204" pitchFamily="34" charset="-128"/>
               </a:rPr>
-              <a:t>-layers initial</a:t>
+              <a:t>-</a:t>
+            </a:r>
+            <a:r>
+              <a:rPr lang="en-US" altLang="zh-TW" sz="4000" dirty="0">
+                <a:latin typeface="Meiryo UI" panose="020B0604030504040204" pitchFamily="34" charset="-128"/>
+                <a:ea typeface="Meiryo UI" panose="020B0604030504040204" pitchFamily="34" charset="-128"/>
+              </a:rPr>
+              <a:t>activation </a:t>
+            </a:r>
+            <a:r>
+              <a:rPr lang="en-US" altLang="zh-TW" sz="4000" dirty="0" smtClean="0">
+                <a:latin typeface="Meiryo UI" panose="020B0604030504040204" pitchFamily="34" charset="-128"/>
+                <a:ea typeface="Meiryo UI" panose="020B0604030504040204" pitchFamily="34" charset="-128"/>
+              </a:rPr>
+              <a:t>linear</a:t>
             </a:r>
             <a:endParaRPr lang="zh-TW" altLang="en-US" sz="4000" dirty="0"/>
           </a:p>
@@ -11987,11 +12685,13 @@
       </p:sp>
       <p:pic>
         <p:nvPicPr>
-          <p:cNvPr id="3" name="圖片 2"/>
+          <p:cNvPr id="4" name="內容版面配置區 3"/>
           <p:cNvPicPr>
-            <a:picLocks noChangeAspect="1"/>
+            <a:picLocks noGrp="1" noChangeAspect="1"/>
           </p:cNvPicPr>
-          <p:nvPr/>
+          <p:nvPr>
+            <p:ph idx="1"/>
+          </p:nvPr>
         </p:nvPicPr>
         <p:blipFill>
           <a:blip r:embed="rId2"/>
@@ -12001,8 +12701,8 @@
         </p:blipFill>
         <p:spPr>
           <a:xfrm>
-            <a:off x="1162050" y="1294271"/>
-            <a:ext cx="6934200" cy="5340734"/>
+            <a:off x="647319" y="1362075"/>
+            <a:ext cx="8149371" cy="5076825"/>
           </a:xfrm>
           <a:prstGeom prst="rect">
             <a:avLst/>
@@ -12012,7 +12712,7 @@
     </p:spTree>
     <p:extLst>
       <p:ext uri="{BB962C8B-B14F-4D97-AF65-F5344CB8AC3E}">
-        <p14:creationId xmlns:p14="http://schemas.microsoft.com/office/powerpoint/2010/main" val="2340634199"/>
+        <p14:creationId xmlns:p14="http://schemas.microsoft.com/office/powerpoint/2010/main" val="2335426460"/>
       </p:ext>
     </p:extLst>
   </p:cSld>
@@ -12075,6 +12775,200 @@
                 <a:latin typeface="Meiryo UI" panose="020B0604030504040204" pitchFamily="34" charset="-128"/>
                 <a:ea typeface="Meiryo UI" panose="020B0604030504040204" pitchFamily="34" charset="-128"/>
               </a:rPr>
+              <a:t>-layers initial</a:t>
+            </a:r>
+            <a:endParaRPr lang="zh-TW" altLang="en-US" sz="4000" dirty="0"/>
+          </a:p>
+        </p:txBody>
+      </p:sp>
+      <p:pic>
+        <p:nvPicPr>
+          <p:cNvPr id="5" name="內容版面配置區 4"/>
+          <p:cNvPicPr>
+            <a:picLocks noGrp="1" noChangeAspect="1"/>
+          </p:cNvPicPr>
+          <p:nvPr>
+            <p:ph idx="1"/>
+          </p:nvPr>
+        </p:nvPicPr>
+        <p:blipFill>
+          <a:blip r:embed="rId2"/>
+          <a:stretch>
+            <a:fillRect/>
+          </a:stretch>
+        </p:blipFill>
+        <p:spPr>
+          <a:xfrm>
+            <a:off x="1285875" y="1495425"/>
+            <a:ext cx="6943725" cy="4923268"/>
+          </a:xfrm>
+          <a:prstGeom prst="rect">
+            <a:avLst/>
+          </a:prstGeom>
+        </p:spPr>
+      </p:pic>
+    </p:spTree>
+    <p:extLst>
+      <p:ext uri="{BB962C8B-B14F-4D97-AF65-F5344CB8AC3E}">
+        <p14:creationId xmlns:p14="http://schemas.microsoft.com/office/powerpoint/2010/main" val="2840950849"/>
+      </p:ext>
+    </p:extLst>
+  </p:cSld>
+  <p:clrMapOvr>
+    <a:masterClrMapping/>
+  </p:clrMapOvr>
+  <p:timing>
+    <p:tnLst>
+      <p:par>
+        <p:cTn id="1" dur="indefinite" restart="never" nodeType="tmRoot"/>
+      </p:par>
+    </p:tnLst>
+  </p:timing>
+</p:sld>
+</file>
+
+<file path=ppt/slides/slide35.xml><?xml version="1.0" encoding="utf-8"?>
+<p:sld xmlns:a="http://schemas.openxmlformats.org/drawingml/2006/main" xmlns:r="http://schemas.openxmlformats.org/officeDocument/2006/relationships" xmlns:p="http://schemas.openxmlformats.org/presentationml/2006/main">
+  <p:cSld>
+    <p:spTree>
+      <p:nvGrpSpPr>
+        <p:cNvPr id="1" name=""/>
+        <p:cNvGrpSpPr/>
+        <p:nvPr/>
+      </p:nvGrpSpPr>
+      <p:grpSpPr>
+        <a:xfrm>
+          <a:off x="0" y="0"/>
+          <a:ext cx="0" cy="0"/>
+          <a:chOff x="0" y="0"/>
+          <a:chExt cx="0" cy="0"/>
+        </a:xfrm>
+      </p:grpSpPr>
+      <p:sp>
+        <p:nvSpPr>
+          <p:cNvPr id="2" name="標題 1"/>
+          <p:cNvSpPr>
+            <a:spLocks noGrp="1"/>
+          </p:cNvSpPr>
+          <p:nvPr>
+            <p:ph type="title"/>
+          </p:nvPr>
+        </p:nvSpPr>
+        <p:spPr/>
+        <p:txBody>
+          <a:bodyPr>
+            <a:normAutofit/>
+          </a:bodyPr>
+          <a:lstStyle/>
+          <a:p>
+            <a:r>
+              <a:rPr lang="zh-TW" altLang="en-US" sz="4000" dirty="0">
+                <a:latin typeface="Meiryo UI" panose="020B0604030504040204" pitchFamily="34" charset="-128"/>
+                <a:ea typeface="Meiryo UI" panose="020B0604030504040204" pitchFamily="34" charset="-128"/>
+              </a:rPr>
+              <a:t>程式</a:t>
+            </a:r>
+            <a:r>
+              <a:rPr lang="en-US" altLang="zh-TW" sz="4000" dirty="0" smtClean="0">
+                <a:latin typeface="Meiryo UI" panose="020B0604030504040204" pitchFamily="34" charset="-128"/>
+                <a:ea typeface="Meiryo UI" panose="020B0604030504040204" pitchFamily="34" charset="-128"/>
+              </a:rPr>
+              <a:t>-layers initial</a:t>
+            </a:r>
+            <a:endParaRPr lang="zh-TW" altLang="en-US" sz="4000" dirty="0"/>
+          </a:p>
+        </p:txBody>
+      </p:sp>
+      <p:pic>
+        <p:nvPicPr>
+          <p:cNvPr id="3" name="圖片 2"/>
+          <p:cNvPicPr>
+            <a:picLocks noChangeAspect="1"/>
+          </p:cNvPicPr>
+          <p:nvPr/>
+        </p:nvPicPr>
+        <p:blipFill>
+          <a:blip r:embed="rId2"/>
+          <a:stretch>
+            <a:fillRect/>
+          </a:stretch>
+        </p:blipFill>
+        <p:spPr>
+          <a:xfrm>
+            <a:off x="1162050" y="1294271"/>
+            <a:ext cx="6934200" cy="5340734"/>
+          </a:xfrm>
+          <a:prstGeom prst="rect">
+            <a:avLst/>
+          </a:prstGeom>
+        </p:spPr>
+      </p:pic>
+    </p:spTree>
+    <p:extLst>
+      <p:ext uri="{BB962C8B-B14F-4D97-AF65-F5344CB8AC3E}">
+        <p14:creationId xmlns:p14="http://schemas.microsoft.com/office/powerpoint/2010/main" val="2340634199"/>
+      </p:ext>
+    </p:extLst>
+  </p:cSld>
+  <p:clrMapOvr>
+    <a:masterClrMapping/>
+  </p:clrMapOvr>
+  <p:timing>
+    <p:tnLst>
+      <p:par>
+        <p:cTn id="1" dur="indefinite" restart="never" nodeType="tmRoot"/>
+      </p:par>
+    </p:tnLst>
+  </p:timing>
+</p:sld>
+</file>
+
+<file path=ppt/slides/slide36.xml><?xml version="1.0" encoding="utf-8"?>
+<p:sld xmlns:a="http://schemas.openxmlformats.org/drawingml/2006/main" xmlns:r="http://schemas.openxmlformats.org/officeDocument/2006/relationships" xmlns:p="http://schemas.openxmlformats.org/presentationml/2006/main">
+  <p:cSld>
+    <p:spTree>
+      <p:nvGrpSpPr>
+        <p:cNvPr id="1" name=""/>
+        <p:cNvGrpSpPr/>
+        <p:nvPr/>
+      </p:nvGrpSpPr>
+      <p:grpSpPr>
+        <a:xfrm>
+          <a:off x="0" y="0"/>
+          <a:ext cx="0" cy="0"/>
+          <a:chOff x="0" y="0"/>
+          <a:chExt cx="0" cy="0"/>
+        </a:xfrm>
+      </p:grpSpPr>
+      <p:sp>
+        <p:nvSpPr>
+          <p:cNvPr id="2" name="標題 1"/>
+          <p:cNvSpPr>
+            <a:spLocks noGrp="1"/>
+          </p:cNvSpPr>
+          <p:nvPr>
+            <p:ph type="title"/>
+          </p:nvPr>
+        </p:nvSpPr>
+        <p:spPr/>
+        <p:txBody>
+          <a:bodyPr>
+            <a:normAutofit/>
+          </a:bodyPr>
+          <a:lstStyle/>
+          <a:p>
+            <a:r>
+              <a:rPr lang="zh-TW" altLang="en-US" sz="4000" dirty="0">
+                <a:latin typeface="Meiryo UI" panose="020B0604030504040204" pitchFamily="34" charset="-128"/>
+                <a:ea typeface="Meiryo UI" panose="020B0604030504040204" pitchFamily="34" charset="-128"/>
+              </a:rPr>
+              <a:t>程式</a:t>
+            </a:r>
+            <a:r>
+              <a:rPr lang="en-US" altLang="zh-TW" sz="4000" dirty="0" smtClean="0">
+                <a:latin typeface="Meiryo UI" panose="020B0604030504040204" pitchFamily="34" charset="-128"/>
+                <a:ea typeface="Meiryo UI" panose="020B0604030504040204" pitchFamily="34" charset="-128"/>
+              </a:rPr>
               <a:t>-layers forward</a:t>
             </a:r>
             <a:endParaRPr lang="zh-TW" altLang="en-US" sz="4000" dirty="0"/>
@@ -12125,7 +13019,7 @@
 </p:sld>
 </file>
 
-<file path=ppt/slides/slide35.xml><?xml version="1.0" encoding="utf-8"?>
+<file path=ppt/slides/slide37.xml><?xml version="1.0" encoding="utf-8"?>
 <p:sld xmlns:a="http://schemas.openxmlformats.org/drawingml/2006/main" xmlns:r="http://schemas.openxmlformats.org/officeDocument/2006/relationships" xmlns:p="http://schemas.openxmlformats.org/presentationml/2006/main">
   <p:cSld>
     <p:spTree>
@@ -12316,7 +13210,7 @@
 </p:sld>
 </file>
 
-<file path=ppt/slides/slide36.xml><?xml version="1.0" encoding="utf-8"?>
+<file path=ppt/slides/slide38.xml><?xml version="1.0" encoding="utf-8"?>
 <p:sld xmlns:a="http://schemas.openxmlformats.org/drawingml/2006/main" xmlns:r="http://schemas.openxmlformats.org/officeDocument/2006/relationships" xmlns:p="http://schemas.openxmlformats.org/presentationml/2006/main">
   <p:cSld>
     <p:spTree>
@@ -12438,202 +13332,6 @@
 </p:sld>
 </file>
 
-<file path=ppt/slides/slide37.xml><?xml version="1.0" encoding="utf-8"?>
-<p:sld xmlns:a="http://schemas.openxmlformats.org/drawingml/2006/main" xmlns:r="http://schemas.openxmlformats.org/officeDocument/2006/relationships" xmlns:p="http://schemas.openxmlformats.org/presentationml/2006/main">
-  <p:cSld>
-    <p:spTree>
-      <p:nvGrpSpPr>
-        <p:cNvPr id="1" name=""/>
-        <p:cNvGrpSpPr/>
-        <p:nvPr/>
-      </p:nvGrpSpPr>
-      <p:grpSpPr>
-        <a:xfrm>
-          <a:off x="0" y="0"/>
-          <a:ext cx="0" cy="0"/>
-          <a:chOff x="0" y="0"/>
-          <a:chExt cx="0" cy="0"/>
-        </a:xfrm>
-      </p:grpSpPr>
-      <p:sp>
-        <p:nvSpPr>
-          <p:cNvPr id="2" name="標題 1"/>
-          <p:cNvSpPr>
-            <a:spLocks noGrp="1"/>
-          </p:cNvSpPr>
-          <p:nvPr>
-            <p:ph type="title"/>
-          </p:nvPr>
-        </p:nvSpPr>
-        <p:spPr/>
-        <p:txBody>
-          <a:bodyPr>
-            <a:normAutofit/>
-          </a:bodyPr>
-          <a:lstStyle/>
-          <a:p>
-            <a:r>
-              <a:rPr lang="zh-TW" altLang="en-US" sz="4000" dirty="0">
-                <a:latin typeface="Meiryo UI" panose="020B0604030504040204" pitchFamily="34" charset="-128"/>
-                <a:ea typeface="Meiryo UI" panose="020B0604030504040204" pitchFamily="34" charset="-128"/>
-              </a:rPr>
-              <a:t>程式</a:t>
-            </a:r>
-            <a:r>
-              <a:rPr lang="en-US" altLang="zh-TW" sz="4000" dirty="0" smtClean="0">
-                <a:latin typeface="Meiryo UI" panose="020B0604030504040204" pitchFamily="34" charset="-128"/>
-                <a:ea typeface="Meiryo UI" panose="020B0604030504040204" pitchFamily="34" charset="-128"/>
-              </a:rPr>
-              <a:t>-MLP Basic model - 1</a:t>
-            </a:r>
-            <a:endParaRPr lang="zh-TW" altLang="en-US" sz="4000" dirty="0"/>
-          </a:p>
-        </p:txBody>
-      </p:sp>
-      <p:pic>
-        <p:nvPicPr>
-          <p:cNvPr id="4" name="內容版面配置區 3"/>
-          <p:cNvPicPr>
-            <a:picLocks noGrp="1" noChangeAspect="1"/>
-          </p:cNvPicPr>
-          <p:nvPr>
-            <p:ph idx="1"/>
-          </p:nvPr>
-        </p:nvPicPr>
-        <p:blipFill>
-          <a:blip r:embed="rId2"/>
-          <a:stretch>
-            <a:fillRect/>
-          </a:stretch>
-        </p:blipFill>
-        <p:spPr>
-          <a:xfrm>
-            <a:off x="581024" y="1982373"/>
-            <a:ext cx="8473895" cy="3875501"/>
-          </a:xfrm>
-          <a:prstGeom prst="rect">
-            <a:avLst/>
-          </a:prstGeom>
-        </p:spPr>
-      </p:pic>
-    </p:spTree>
-    <p:extLst>
-      <p:ext uri="{BB962C8B-B14F-4D97-AF65-F5344CB8AC3E}">
-        <p14:creationId xmlns:p14="http://schemas.microsoft.com/office/powerpoint/2010/main" val="3098031293"/>
-      </p:ext>
-    </p:extLst>
-  </p:cSld>
-  <p:clrMapOvr>
-    <a:masterClrMapping/>
-  </p:clrMapOvr>
-  <p:timing>
-    <p:tnLst>
-      <p:par>
-        <p:cTn id="1" dur="indefinite" restart="never" nodeType="tmRoot"/>
-      </p:par>
-    </p:tnLst>
-  </p:timing>
-</p:sld>
-</file>
-
-<file path=ppt/slides/slide38.xml><?xml version="1.0" encoding="utf-8"?>
-<p:sld xmlns:a="http://schemas.openxmlformats.org/drawingml/2006/main" xmlns:r="http://schemas.openxmlformats.org/officeDocument/2006/relationships" xmlns:p="http://schemas.openxmlformats.org/presentationml/2006/main">
-  <p:cSld>
-    <p:spTree>
-      <p:nvGrpSpPr>
-        <p:cNvPr id="1" name=""/>
-        <p:cNvGrpSpPr/>
-        <p:nvPr/>
-      </p:nvGrpSpPr>
-      <p:grpSpPr>
-        <a:xfrm>
-          <a:off x="0" y="0"/>
-          <a:ext cx="0" cy="0"/>
-          <a:chOff x="0" y="0"/>
-          <a:chExt cx="0" cy="0"/>
-        </a:xfrm>
-      </p:grpSpPr>
-      <p:sp>
-        <p:nvSpPr>
-          <p:cNvPr id="2" name="標題 1"/>
-          <p:cNvSpPr>
-            <a:spLocks noGrp="1"/>
-          </p:cNvSpPr>
-          <p:nvPr>
-            <p:ph type="title"/>
-          </p:nvPr>
-        </p:nvSpPr>
-        <p:spPr/>
-        <p:txBody>
-          <a:bodyPr>
-            <a:normAutofit/>
-          </a:bodyPr>
-          <a:lstStyle/>
-          <a:p>
-            <a:r>
-              <a:rPr lang="zh-TW" altLang="en-US" sz="4000" dirty="0">
-                <a:latin typeface="Meiryo UI" panose="020B0604030504040204" pitchFamily="34" charset="-128"/>
-                <a:ea typeface="Meiryo UI" panose="020B0604030504040204" pitchFamily="34" charset="-128"/>
-              </a:rPr>
-              <a:t>程式</a:t>
-            </a:r>
-            <a:r>
-              <a:rPr lang="en-US" altLang="zh-TW" sz="4000" dirty="0" smtClean="0">
-                <a:latin typeface="Meiryo UI" panose="020B0604030504040204" pitchFamily="34" charset="-128"/>
-                <a:ea typeface="Meiryo UI" panose="020B0604030504040204" pitchFamily="34" charset="-128"/>
-              </a:rPr>
-              <a:t>-MLP Basic model - 2</a:t>
-            </a:r>
-            <a:endParaRPr lang="zh-TW" altLang="en-US" sz="4000" dirty="0"/>
-          </a:p>
-        </p:txBody>
-      </p:sp>
-      <p:pic>
-        <p:nvPicPr>
-          <p:cNvPr id="5" name="內容版面配置區 4"/>
-          <p:cNvPicPr>
-            <a:picLocks noGrp="1" noChangeAspect="1"/>
-          </p:cNvPicPr>
-          <p:nvPr>
-            <p:ph idx="1"/>
-          </p:nvPr>
-        </p:nvPicPr>
-        <p:blipFill>
-          <a:blip r:embed="rId2"/>
-          <a:stretch>
-            <a:fillRect/>
-          </a:stretch>
-        </p:blipFill>
-        <p:spPr>
-          <a:xfrm>
-            <a:off x="819150" y="1428750"/>
-            <a:ext cx="8062318" cy="5124451"/>
-          </a:xfrm>
-          <a:prstGeom prst="rect">
-            <a:avLst/>
-          </a:prstGeom>
-        </p:spPr>
-      </p:pic>
-    </p:spTree>
-    <p:extLst>
-      <p:ext uri="{BB962C8B-B14F-4D97-AF65-F5344CB8AC3E}">
-        <p14:creationId xmlns:p14="http://schemas.microsoft.com/office/powerpoint/2010/main" val="1538409828"/>
-      </p:ext>
-    </p:extLst>
-  </p:cSld>
-  <p:clrMapOvr>
-    <a:masterClrMapping/>
-  </p:clrMapOvr>
-  <p:timing>
-    <p:tnLst>
-      <p:par>
-        <p:cTn id="1" dur="indefinite" restart="never" nodeType="tmRoot"/>
-      </p:par>
-    </p:tnLst>
-  </p:timing>
-</p:sld>
-</file>
-
 <file path=ppt/slides/slide39.xml><?xml version="1.0" encoding="utf-8"?>
 <p:sld xmlns:a="http://schemas.openxmlformats.org/drawingml/2006/main" xmlns:r="http://schemas.openxmlformats.org/officeDocument/2006/relationships" xmlns:p="http://schemas.openxmlformats.org/presentationml/2006/main">
   <p:cSld>
@@ -12680,7 +13378,7 @@
                 <a:latin typeface="Meiryo UI" panose="020B0604030504040204" pitchFamily="34" charset="-128"/>
                 <a:ea typeface="Meiryo UI" panose="020B0604030504040204" pitchFamily="34" charset="-128"/>
               </a:rPr>
-              <a:t>-MLP Basic model - 3</a:t>
+              <a:t>-MLP Basic model - 1</a:t>
             </a:r>
             <a:endParaRPr lang="zh-TW" altLang="en-US" sz="4000" dirty="0"/>
           </a:p>
@@ -12688,7 +13386,7 @@
       </p:sp>
       <p:pic>
         <p:nvPicPr>
-          <p:cNvPr id="5" name="內容版面配置區 4"/>
+          <p:cNvPr id="4" name="內容版面配置區 3"/>
           <p:cNvPicPr>
             <a:picLocks noGrp="1" noChangeAspect="1"/>
           </p:cNvPicPr>
@@ -12704,8 +13402,8 @@
         </p:blipFill>
         <p:spPr>
           <a:xfrm>
-            <a:off x="1181100" y="1264975"/>
-            <a:ext cx="6438900" cy="5542225"/>
+            <a:off x="581024" y="1982373"/>
+            <a:ext cx="8473895" cy="3875501"/>
           </a:xfrm>
           <a:prstGeom prst="rect">
             <a:avLst/>
@@ -12715,7 +13413,7 @@
     </p:spTree>
     <p:extLst>
       <p:ext uri="{BB962C8B-B14F-4D97-AF65-F5344CB8AC3E}">
-        <p14:creationId xmlns:p14="http://schemas.microsoft.com/office/powerpoint/2010/main" val="2635175117"/>
+        <p14:creationId xmlns:p14="http://schemas.microsoft.com/office/powerpoint/2010/main" val="3098031293"/>
       </p:ext>
     </p:extLst>
   </p:cSld>
@@ -13074,7 +13772,7 @@
                 <a:latin typeface="Meiryo UI" panose="020B0604030504040204" pitchFamily="34" charset="-128"/>
                 <a:ea typeface="Meiryo UI" panose="020B0604030504040204" pitchFamily="34" charset="-128"/>
               </a:rPr>
-              <a:t>-MLP Basic model - 4</a:t>
+              <a:t>-MLP Basic model - 2</a:t>
             </a:r>
             <a:endParaRPr lang="zh-TW" altLang="en-US" sz="4000" dirty="0"/>
           </a:p>
@@ -13082,7 +13780,7 @@
       </p:sp>
       <p:pic>
         <p:nvPicPr>
-          <p:cNvPr id="4" name="內容版面配置區 3"/>
+          <p:cNvPr id="5" name="內容版面配置區 4"/>
           <p:cNvPicPr>
             <a:picLocks noGrp="1" noChangeAspect="1"/>
           </p:cNvPicPr>
@@ -13098,8 +13796,8 @@
         </p:blipFill>
         <p:spPr>
           <a:xfrm>
-            <a:off x="800100" y="1428750"/>
-            <a:ext cx="7610978" cy="5302250"/>
+            <a:off x="819150" y="1428750"/>
+            <a:ext cx="8062318" cy="5124451"/>
           </a:xfrm>
           <a:prstGeom prst="rect">
             <a:avLst/>
@@ -13109,7 +13807,7 @@
     </p:spTree>
     <p:extLst>
       <p:ext uri="{BB962C8B-B14F-4D97-AF65-F5344CB8AC3E}">
-        <p14:creationId xmlns:p14="http://schemas.microsoft.com/office/powerpoint/2010/main" val="2003650909"/>
+        <p14:creationId xmlns:p14="http://schemas.microsoft.com/office/powerpoint/2010/main" val="1538409828"/>
       </p:ext>
     </p:extLst>
   </p:cSld>
@@ -13172,7 +13870,7 @@
                 <a:latin typeface="Meiryo UI" panose="020B0604030504040204" pitchFamily="34" charset="-128"/>
                 <a:ea typeface="Meiryo UI" panose="020B0604030504040204" pitchFamily="34" charset="-128"/>
               </a:rPr>
-              <a:t>-MLP Basic model - 5</a:t>
+              <a:t>-MLP Basic model - 3</a:t>
             </a:r>
             <a:endParaRPr lang="zh-TW" altLang="en-US" sz="4000" dirty="0"/>
           </a:p>
@@ -13196,8 +13894,8 @@
         </p:blipFill>
         <p:spPr>
           <a:xfrm>
-            <a:off x="1140834" y="1327150"/>
-            <a:ext cx="6976631" cy="5293262"/>
+            <a:off x="1181100" y="1264975"/>
+            <a:ext cx="6438900" cy="5542225"/>
           </a:xfrm>
           <a:prstGeom prst="rect">
             <a:avLst/>
@@ -13207,7 +13905,7 @@
     </p:spTree>
     <p:extLst>
       <p:ext uri="{BB962C8B-B14F-4D97-AF65-F5344CB8AC3E}">
-        <p14:creationId xmlns:p14="http://schemas.microsoft.com/office/powerpoint/2010/main" val="4109388555"/>
+        <p14:creationId xmlns:p14="http://schemas.microsoft.com/office/powerpoint/2010/main" val="2635175117"/>
       </p:ext>
     </p:extLst>
   </p:cSld>
@@ -13263,6 +13961,1563 @@
                 <a:latin typeface="Meiryo UI" panose="020B0604030504040204" pitchFamily="34" charset="-128"/>
                 <a:ea typeface="Meiryo UI" panose="020B0604030504040204" pitchFamily="34" charset="-128"/>
               </a:rPr>
+              <a:t>程式</a:t>
+            </a:r>
+            <a:r>
+              <a:rPr lang="en-US" altLang="zh-TW" sz="4000" dirty="0" smtClean="0">
+                <a:latin typeface="Meiryo UI" panose="020B0604030504040204" pitchFamily="34" charset="-128"/>
+                <a:ea typeface="Meiryo UI" panose="020B0604030504040204" pitchFamily="34" charset="-128"/>
+              </a:rPr>
+              <a:t>-MLP Basic model - 4</a:t>
+            </a:r>
+            <a:endParaRPr lang="zh-TW" altLang="en-US" sz="4000" dirty="0"/>
+          </a:p>
+        </p:txBody>
+      </p:sp>
+      <p:pic>
+        <p:nvPicPr>
+          <p:cNvPr id="4" name="內容版面配置區 3"/>
+          <p:cNvPicPr>
+            <a:picLocks noGrp="1" noChangeAspect="1"/>
+          </p:cNvPicPr>
+          <p:nvPr>
+            <p:ph idx="1"/>
+          </p:nvPr>
+        </p:nvPicPr>
+        <p:blipFill>
+          <a:blip r:embed="rId2"/>
+          <a:stretch>
+            <a:fillRect/>
+          </a:stretch>
+        </p:blipFill>
+        <p:spPr>
+          <a:xfrm>
+            <a:off x="800100" y="1428750"/>
+            <a:ext cx="7610978" cy="5302250"/>
+          </a:xfrm>
+          <a:prstGeom prst="rect">
+            <a:avLst/>
+          </a:prstGeom>
+        </p:spPr>
+      </p:pic>
+    </p:spTree>
+    <p:extLst>
+      <p:ext uri="{BB962C8B-B14F-4D97-AF65-F5344CB8AC3E}">
+        <p14:creationId xmlns:p14="http://schemas.microsoft.com/office/powerpoint/2010/main" val="2003650909"/>
+      </p:ext>
+    </p:extLst>
+  </p:cSld>
+  <p:clrMapOvr>
+    <a:masterClrMapping/>
+  </p:clrMapOvr>
+  <p:timing>
+    <p:tnLst>
+      <p:par>
+        <p:cTn id="1" dur="indefinite" restart="never" nodeType="tmRoot"/>
+      </p:par>
+    </p:tnLst>
+  </p:timing>
+</p:sld>
+</file>
+
+<file path=ppt/slides/slide43.xml><?xml version="1.0" encoding="utf-8"?>
+<p:sld xmlns:a="http://schemas.openxmlformats.org/drawingml/2006/main" xmlns:r="http://schemas.openxmlformats.org/officeDocument/2006/relationships" xmlns:p="http://schemas.openxmlformats.org/presentationml/2006/main">
+  <p:cSld>
+    <p:spTree>
+      <p:nvGrpSpPr>
+        <p:cNvPr id="1" name=""/>
+        <p:cNvGrpSpPr/>
+        <p:nvPr/>
+      </p:nvGrpSpPr>
+      <p:grpSpPr>
+        <a:xfrm>
+          <a:off x="0" y="0"/>
+          <a:ext cx="0" cy="0"/>
+          <a:chOff x="0" y="0"/>
+          <a:chExt cx="0" cy="0"/>
+        </a:xfrm>
+      </p:grpSpPr>
+      <p:sp>
+        <p:nvSpPr>
+          <p:cNvPr id="2" name="標題 1"/>
+          <p:cNvSpPr>
+            <a:spLocks noGrp="1"/>
+          </p:cNvSpPr>
+          <p:nvPr>
+            <p:ph type="title"/>
+          </p:nvPr>
+        </p:nvSpPr>
+        <p:spPr/>
+        <p:txBody>
+          <a:bodyPr>
+            <a:normAutofit/>
+          </a:bodyPr>
+          <a:lstStyle/>
+          <a:p>
+            <a:r>
+              <a:rPr lang="zh-TW" altLang="en-US" sz="4000" dirty="0">
+                <a:latin typeface="Meiryo UI" panose="020B0604030504040204" pitchFamily="34" charset="-128"/>
+                <a:ea typeface="Meiryo UI" panose="020B0604030504040204" pitchFamily="34" charset="-128"/>
+              </a:rPr>
+              <a:t>程式</a:t>
+            </a:r>
+            <a:r>
+              <a:rPr lang="en-US" altLang="zh-TW" sz="4000" dirty="0" smtClean="0">
+                <a:latin typeface="Meiryo UI" panose="020B0604030504040204" pitchFamily="34" charset="-128"/>
+                <a:ea typeface="Meiryo UI" panose="020B0604030504040204" pitchFamily="34" charset="-128"/>
+              </a:rPr>
+              <a:t>-MLP Basic model - 5</a:t>
+            </a:r>
+            <a:endParaRPr lang="zh-TW" altLang="en-US" sz="4000" dirty="0"/>
+          </a:p>
+        </p:txBody>
+      </p:sp>
+      <p:pic>
+        <p:nvPicPr>
+          <p:cNvPr id="5" name="內容版面配置區 4"/>
+          <p:cNvPicPr>
+            <a:picLocks noGrp="1" noChangeAspect="1"/>
+          </p:cNvPicPr>
+          <p:nvPr>
+            <p:ph idx="1"/>
+          </p:nvPr>
+        </p:nvPicPr>
+        <p:blipFill>
+          <a:blip r:embed="rId2"/>
+          <a:stretch>
+            <a:fillRect/>
+          </a:stretch>
+        </p:blipFill>
+        <p:spPr>
+          <a:xfrm>
+            <a:off x="1140834" y="1327150"/>
+            <a:ext cx="6976631" cy="5293262"/>
+          </a:xfrm>
+          <a:prstGeom prst="rect">
+            <a:avLst/>
+          </a:prstGeom>
+        </p:spPr>
+      </p:pic>
+    </p:spTree>
+    <p:extLst>
+      <p:ext uri="{BB962C8B-B14F-4D97-AF65-F5344CB8AC3E}">
+        <p14:creationId xmlns:p14="http://schemas.microsoft.com/office/powerpoint/2010/main" val="4109388555"/>
+      </p:ext>
+    </p:extLst>
+  </p:cSld>
+  <p:clrMapOvr>
+    <a:masterClrMapping/>
+  </p:clrMapOvr>
+  <p:timing>
+    <p:tnLst>
+      <p:par>
+        <p:cTn id="1" dur="indefinite" restart="never" nodeType="tmRoot"/>
+      </p:par>
+    </p:tnLst>
+  </p:timing>
+</p:sld>
+</file>
+
+<file path=ppt/slides/slide44.xml><?xml version="1.0" encoding="utf-8"?>
+<p:sld xmlns:a="http://schemas.openxmlformats.org/drawingml/2006/main" xmlns:r="http://schemas.openxmlformats.org/officeDocument/2006/relationships" xmlns:p="http://schemas.openxmlformats.org/presentationml/2006/main">
+  <p:cSld>
+    <p:spTree>
+      <p:nvGrpSpPr>
+        <p:cNvPr id="1" name=""/>
+        <p:cNvGrpSpPr/>
+        <p:nvPr/>
+      </p:nvGrpSpPr>
+      <p:grpSpPr>
+        <a:xfrm>
+          <a:off x="0" y="0"/>
+          <a:ext cx="0" cy="0"/>
+          <a:chOff x="0" y="0"/>
+          <a:chExt cx="0" cy="0"/>
+        </a:xfrm>
+      </p:grpSpPr>
+      <p:sp>
+        <p:nvSpPr>
+          <p:cNvPr id="2" name="標題 1"/>
+          <p:cNvSpPr>
+            <a:spLocks noGrp="1"/>
+          </p:cNvSpPr>
+          <p:nvPr>
+            <p:ph type="title"/>
+          </p:nvPr>
+        </p:nvSpPr>
+        <p:spPr>
+          <a:xfrm>
+            <a:off x="1028699" y="685800"/>
+            <a:ext cx="7533409" cy="1485900"/>
+          </a:xfrm>
+        </p:spPr>
+        <p:txBody>
+          <a:bodyPr>
+            <a:normAutofit/>
+          </a:bodyPr>
+          <a:lstStyle/>
+          <a:p>
+            <a:r>
+              <a:rPr lang="zh-TW" altLang="en-US" sz="4000" dirty="0">
+                <a:latin typeface="Meiryo UI" panose="020B0604030504040204" pitchFamily="34" charset="-128"/>
+                <a:ea typeface="Meiryo UI" panose="020B0604030504040204" pitchFamily="34" charset="-128"/>
+              </a:rPr>
+              <a:t>程式</a:t>
+            </a:r>
+            <a:r>
+              <a:rPr lang="en-US" altLang="zh-TW" sz="4000" dirty="0" smtClean="0">
+                <a:latin typeface="Meiryo UI" panose="020B0604030504040204" pitchFamily="34" charset="-128"/>
+                <a:ea typeface="Meiryo UI" panose="020B0604030504040204" pitchFamily="34" charset="-128"/>
+              </a:rPr>
+              <a:t>-MLP </a:t>
+            </a:r>
+            <a:r>
+              <a:rPr lang="en-US" altLang="zh-TW" sz="4000" dirty="0" smtClean="0">
+                <a:latin typeface="Meiryo UI" panose="020B0604030504040204" pitchFamily="34" charset="-128"/>
+                <a:ea typeface="Meiryo UI" panose="020B0604030504040204" pitchFamily="34" charset="-128"/>
+              </a:rPr>
+              <a:t>train </a:t>
+            </a:r>
+            <a:r>
+              <a:rPr lang="zh-TW" altLang="en-US" sz="4000" dirty="0" smtClean="0">
+                <a:latin typeface="Meiryo UI" panose="020B0604030504040204" pitchFamily="34" charset="-128"/>
+                <a:ea typeface="Meiryo UI" panose="020B0604030504040204" pitchFamily="34" charset="-128"/>
+              </a:rPr>
+              <a:t>資料整理分析</a:t>
+            </a:r>
+            <a:r>
+              <a:rPr lang="en-US" altLang="zh-TW" sz="4000" dirty="0" smtClean="0">
+                <a:latin typeface="Meiryo UI" panose="020B0604030504040204" pitchFamily="34" charset="-128"/>
+                <a:ea typeface="Meiryo UI" panose="020B0604030504040204" pitchFamily="34" charset="-128"/>
+              </a:rPr>
+              <a:t>1</a:t>
+            </a:r>
+            <a:endParaRPr lang="zh-TW" altLang="en-US" sz="4000" dirty="0"/>
+          </a:p>
+        </p:txBody>
+      </p:sp>
+      <p:pic>
+        <p:nvPicPr>
+          <p:cNvPr id="7" name="內容版面配置區 6"/>
+          <p:cNvPicPr>
+            <a:picLocks noGrp="1" noChangeAspect="1"/>
+          </p:cNvPicPr>
+          <p:nvPr>
+            <p:ph idx="1"/>
+          </p:nvPr>
+        </p:nvPicPr>
+        <p:blipFill>
+          <a:blip r:embed="rId2"/>
+          <a:stretch>
+            <a:fillRect/>
+          </a:stretch>
+        </p:blipFill>
+        <p:spPr>
+          <a:xfrm>
+            <a:off x="623152" y="1944548"/>
+            <a:ext cx="8520848" cy="3832797"/>
+          </a:xfrm>
+          <a:prstGeom prst="rect">
+            <a:avLst/>
+          </a:prstGeom>
+        </p:spPr>
+      </p:pic>
+    </p:spTree>
+    <p:extLst>
+      <p:ext uri="{BB962C8B-B14F-4D97-AF65-F5344CB8AC3E}">
+        <p14:creationId xmlns:p14="http://schemas.microsoft.com/office/powerpoint/2010/main" val="2611870132"/>
+      </p:ext>
+    </p:extLst>
+  </p:cSld>
+  <p:clrMapOvr>
+    <a:masterClrMapping/>
+  </p:clrMapOvr>
+  <p:timing>
+    <p:tnLst>
+      <p:par>
+        <p:cTn id="1" dur="indefinite" restart="never" nodeType="tmRoot"/>
+      </p:par>
+    </p:tnLst>
+  </p:timing>
+</p:sld>
+</file>
+
+<file path=ppt/slides/slide45.xml><?xml version="1.0" encoding="utf-8"?>
+<p:sld xmlns:a="http://schemas.openxmlformats.org/drawingml/2006/main" xmlns:r="http://schemas.openxmlformats.org/officeDocument/2006/relationships" xmlns:p="http://schemas.openxmlformats.org/presentationml/2006/main">
+  <p:cSld>
+    <p:spTree>
+      <p:nvGrpSpPr>
+        <p:cNvPr id="1" name=""/>
+        <p:cNvGrpSpPr/>
+        <p:nvPr/>
+      </p:nvGrpSpPr>
+      <p:grpSpPr>
+        <a:xfrm>
+          <a:off x="0" y="0"/>
+          <a:ext cx="0" cy="0"/>
+          <a:chOff x="0" y="0"/>
+          <a:chExt cx="0" cy="0"/>
+        </a:xfrm>
+      </p:grpSpPr>
+      <p:sp>
+        <p:nvSpPr>
+          <p:cNvPr id="2" name="標題 1"/>
+          <p:cNvSpPr>
+            <a:spLocks noGrp="1"/>
+          </p:cNvSpPr>
+          <p:nvPr>
+            <p:ph type="title"/>
+          </p:nvPr>
+        </p:nvSpPr>
+        <p:spPr>
+          <a:xfrm>
+            <a:off x="1028699" y="685800"/>
+            <a:ext cx="7477991" cy="1485900"/>
+          </a:xfrm>
+        </p:spPr>
+        <p:txBody>
+          <a:bodyPr>
+            <a:normAutofit/>
+          </a:bodyPr>
+          <a:lstStyle/>
+          <a:p>
+            <a:r>
+              <a:rPr lang="zh-TW" altLang="en-US" sz="4000" dirty="0">
+                <a:latin typeface="Meiryo UI" panose="020B0604030504040204" pitchFamily="34" charset="-128"/>
+                <a:ea typeface="Meiryo UI" panose="020B0604030504040204" pitchFamily="34" charset="-128"/>
+              </a:rPr>
+              <a:t>程式</a:t>
+            </a:r>
+            <a:r>
+              <a:rPr lang="en-US" altLang="zh-TW" sz="4000" dirty="0" smtClean="0">
+                <a:latin typeface="Meiryo UI" panose="020B0604030504040204" pitchFamily="34" charset="-128"/>
+                <a:ea typeface="Meiryo UI" panose="020B0604030504040204" pitchFamily="34" charset="-128"/>
+              </a:rPr>
+              <a:t>-MLP </a:t>
+            </a:r>
+            <a:r>
+              <a:rPr lang="en-US" altLang="zh-TW" sz="4000" dirty="0" smtClean="0">
+                <a:latin typeface="Meiryo UI" panose="020B0604030504040204" pitchFamily="34" charset="-128"/>
+                <a:ea typeface="Meiryo UI" panose="020B0604030504040204" pitchFamily="34" charset="-128"/>
+              </a:rPr>
+              <a:t>train </a:t>
+            </a:r>
+            <a:r>
+              <a:rPr lang="zh-TW" altLang="en-US" sz="4000" dirty="0" smtClean="0">
+                <a:latin typeface="Meiryo UI" panose="020B0604030504040204" pitchFamily="34" charset="-128"/>
+                <a:ea typeface="Meiryo UI" panose="020B0604030504040204" pitchFamily="34" charset="-128"/>
+              </a:rPr>
+              <a:t>資料整理分析</a:t>
+            </a:r>
+            <a:r>
+              <a:rPr lang="en-US" altLang="zh-TW" sz="4000" dirty="0" smtClean="0">
+                <a:latin typeface="Meiryo UI" panose="020B0604030504040204" pitchFamily="34" charset="-128"/>
+                <a:ea typeface="Meiryo UI" panose="020B0604030504040204" pitchFamily="34" charset="-128"/>
+              </a:rPr>
+              <a:t>2</a:t>
+            </a:r>
+            <a:endParaRPr lang="zh-TW" altLang="en-US" sz="4000" dirty="0"/>
+          </a:p>
+        </p:txBody>
+      </p:sp>
+      <p:pic>
+        <p:nvPicPr>
+          <p:cNvPr id="4" name="內容版面配置區 3"/>
+          <p:cNvPicPr>
+            <a:picLocks noGrp="1" noChangeAspect="1"/>
+          </p:cNvPicPr>
+          <p:nvPr>
+            <p:ph idx="1"/>
+          </p:nvPr>
+        </p:nvPicPr>
+        <p:blipFill>
+          <a:blip r:embed="rId2"/>
+          <a:stretch>
+            <a:fillRect/>
+          </a:stretch>
+        </p:blipFill>
+        <p:spPr>
+          <a:xfrm>
+            <a:off x="470188" y="2052203"/>
+            <a:ext cx="8673812" cy="3212523"/>
+          </a:xfrm>
+          <a:prstGeom prst="rect">
+            <a:avLst/>
+          </a:prstGeom>
+        </p:spPr>
+      </p:pic>
+    </p:spTree>
+    <p:extLst>
+      <p:ext uri="{BB962C8B-B14F-4D97-AF65-F5344CB8AC3E}">
+        <p14:creationId xmlns:p14="http://schemas.microsoft.com/office/powerpoint/2010/main" val="188914926"/>
+      </p:ext>
+    </p:extLst>
+  </p:cSld>
+  <p:clrMapOvr>
+    <a:masterClrMapping/>
+  </p:clrMapOvr>
+  <p:timing>
+    <p:tnLst>
+      <p:par>
+        <p:cTn id="1" dur="indefinite" restart="never" nodeType="tmRoot"/>
+      </p:par>
+    </p:tnLst>
+  </p:timing>
+</p:sld>
+</file>
+
+<file path=ppt/slides/slide46.xml><?xml version="1.0" encoding="utf-8"?>
+<p:sld xmlns:a="http://schemas.openxmlformats.org/drawingml/2006/main" xmlns:r="http://schemas.openxmlformats.org/officeDocument/2006/relationships" xmlns:p="http://schemas.openxmlformats.org/presentationml/2006/main">
+  <p:cSld>
+    <p:spTree>
+      <p:nvGrpSpPr>
+        <p:cNvPr id="1" name=""/>
+        <p:cNvGrpSpPr/>
+        <p:nvPr/>
+      </p:nvGrpSpPr>
+      <p:grpSpPr>
+        <a:xfrm>
+          <a:off x="0" y="0"/>
+          <a:ext cx="0" cy="0"/>
+          <a:chOff x="0" y="0"/>
+          <a:chExt cx="0" cy="0"/>
+        </a:xfrm>
+      </p:grpSpPr>
+      <p:sp>
+        <p:nvSpPr>
+          <p:cNvPr id="2" name="標題 1"/>
+          <p:cNvSpPr>
+            <a:spLocks noGrp="1"/>
+          </p:cNvSpPr>
+          <p:nvPr>
+            <p:ph type="title"/>
+          </p:nvPr>
+        </p:nvSpPr>
+        <p:spPr>
+          <a:xfrm>
+            <a:off x="1028699" y="685800"/>
+            <a:ext cx="7477991" cy="1485900"/>
+          </a:xfrm>
+        </p:spPr>
+        <p:txBody>
+          <a:bodyPr>
+            <a:normAutofit/>
+          </a:bodyPr>
+          <a:lstStyle/>
+          <a:p>
+            <a:r>
+              <a:rPr lang="zh-TW" altLang="en-US" sz="4000" dirty="0">
+                <a:latin typeface="Meiryo UI" panose="020B0604030504040204" pitchFamily="34" charset="-128"/>
+                <a:ea typeface="Meiryo UI" panose="020B0604030504040204" pitchFamily="34" charset="-128"/>
+              </a:rPr>
+              <a:t>程式</a:t>
+            </a:r>
+            <a:r>
+              <a:rPr lang="en-US" altLang="zh-TW" sz="4000" dirty="0" smtClean="0">
+                <a:latin typeface="Meiryo UI" panose="020B0604030504040204" pitchFamily="34" charset="-128"/>
+                <a:ea typeface="Meiryo UI" panose="020B0604030504040204" pitchFamily="34" charset="-128"/>
+              </a:rPr>
+              <a:t>-MLP </a:t>
+            </a:r>
+            <a:r>
+              <a:rPr lang="en-US" altLang="zh-TW" sz="4000" dirty="0" smtClean="0">
+                <a:latin typeface="Meiryo UI" panose="020B0604030504040204" pitchFamily="34" charset="-128"/>
+                <a:ea typeface="Meiryo UI" panose="020B0604030504040204" pitchFamily="34" charset="-128"/>
+              </a:rPr>
+              <a:t>train </a:t>
+            </a:r>
+            <a:r>
+              <a:rPr lang="zh-TW" altLang="en-US" sz="4000" dirty="0" smtClean="0">
+                <a:latin typeface="Meiryo UI" panose="020B0604030504040204" pitchFamily="34" charset="-128"/>
+                <a:ea typeface="Meiryo UI" panose="020B0604030504040204" pitchFamily="34" charset="-128"/>
+              </a:rPr>
+              <a:t>資料整理分析</a:t>
+            </a:r>
+            <a:r>
+              <a:rPr lang="en-US" altLang="zh-TW" sz="4000" dirty="0">
+                <a:latin typeface="Meiryo UI" panose="020B0604030504040204" pitchFamily="34" charset="-128"/>
+                <a:ea typeface="Meiryo UI" panose="020B0604030504040204" pitchFamily="34" charset="-128"/>
+              </a:rPr>
+              <a:t>3</a:t>
+            </a:r>
+            <a:endParaRPr lang="zh-TW" altLang="en-US" sz="4000" dirty="0"/>
+          </a:p>
+        </p:txBody>
+      </p:sp>
+      <p:pic>
+        <p:nvPicPr>
+          <p:cNvPr id="5" name="內容版面配置區 4"/>
+          <p:cNvPicPr>
+            <a:picLocks noGrp="1" noChangeAspect="1"/>
+          </p:cNvPicPr>
+          <p:nvPr>
+            <p:ph idx="1"/>
+          </p:nvPr>
+        </p:nvPicPr>
+        <p:blipFill>
+          <a:blip r:embed="rId2"/>
+          <a:stretch>
+            <a:fillRect/>
+          </a:stretch>
+        </p:blipFill>
+        <p:spPr>
+          <a:xfrm>
+            <a:off x="294335" y="1731818"/>
+            <a:ext cx="8674148" cy="4433454"/>
+          </a:xfrm>
+          <a:prstGeom prst="rect">
+            <a:avLst/>
+          </a:prstGeom>
+        </p:spPr>
+      </p:pic>
+    </p:spTree>
+    <p:extLst>
+      <p:ext uri="{BB962C8B-B14F-4D97-AF65-F5344CB8AC3E}">
+        <p14:creationId xmlns:p14="http://schemas.microsoft.com/office/powerpoint/2010/main" val="3034087145"/>
+      </p:ext>
+    </p:extLst>
+  </p:cSld>
+  <p:clrMapOvr>
+    <a:masterClrMapping/>
+  </p:clrMapOvr>
+  <p:timing>
+    <p:tnLst>
+      <p:par>
+        <p:cTn id="1" dur="indefinite" restart="never" nodeType="tmRoot"/>
+      </p:par>
+    </p:tnLst>
+  </p:timing>
+</p:sld>
+</file>
+
+<file path=ppt/slides/slide47.xml><?xml version="1.0" encoding="utf-8"?>
+<p:sld xmlns:a="http://schemas.openxmlformats.org/drawingml/2006/main" xmlns:r="http://schemas.openxmlformats.org/officeDocument/2006/relationships" xmlns:p="http://schemas.openxmlformats.org/presentationml/2006/main">
+  <p:cSld>
+    <p:spTree>
+      <p:nvGrpSpPr>
+        <p:cNvPr id="1" name=""/>
+        <p:cNvGrpSpPr/>
+        <p:nvPr/>
+      </p:nvGrpSpPr>
+      <p:grpSpPr>
+        <a:xfrm>
+          <a:off x="0" y="0"/>
+          <a:ext cx="0" cy="0"/>
+          <a:chOff x="0" y="0"/>
+          <a:chExt cx="0" cy="0"/>
+        </a:xfrm>
+      </p:grpSpPr>
+      <p:sp>
+        <p:nvSpPr>
+          <p:cNvPr id="2" name="標題 1"/>
+          <p:cNvSpPr>
+            <a:spLocks noGrp="1"/>
+          </p:cNvSpPr>
+          <p:nvPr>
+            <p:ph type="title"/>
+          </p:nvPr>
+        </p:nvSpPr>
+        <p:spPr>
+          <a:xfrm>
+            <a:off x="1028699" y="685800"/>
+            <a:ext cx="7477991" cy="1485900"/>
+          </a:xfrm>
+        </p:spPr>
+        <p:txBody>
+          <a:bodyPr>
+            <a:normAutofit/>
+          </a:bodyPr>
+          <a:lstStyle/>
+          <a:p>
+            <a:r>
+              <a:rPr lang="zh-TW" altLang="en-US" sz="4000" dirty="0">
+                <a:latin typeface="Meiryo UI" panose="020B0604030504040204" pitchFamily="34" charset="-128"/>
+                <a:ea typeface="Meiryo UI" panose="020B0604030504040204" pitchFamily="34" charset="-128"/>
+              </a:rPr>
+              <a:t>程式</a:t>
+            </a:r>
+            <a:r>
+              <a:rPr lang="en-US" altLang="zh-TW" sz="4000" dirty="0" smtClean="0">
+                <a:latin typeface="Meiryo UI" panose="020B0604030504040204" pitchFamily="34" charset="-128"/>
+                <a:ea typeface="Meiryo UI" panose="020B0604030504040204" pitchFamily="34" charset="-128"/>
+              </a:rPr>
+              <a:t>-MLP </a:t>
+            </a:r>
+            <a:r>
+              <a:rPr lang="en-US" altLang="zh-TW" sz="4000" dirty="0" smtClean="0">
+                <a:latin typeface="Meiryo UI" panose="020B0604030504040204" pitchFamily="34" charset="-128"/>
+                <a:ea typeface="Meiryo UI" panose="020B0604030504040204" pitchFamily="34" charset="-128"/>
+              </a:rPr>
+              <a:t>train </a:t>
+            </a:r>
+            <a:r>
+              <a:rPr lang="zh-TW" altLang="en-US" sz="4000" dirty="0" smtClean="0">
+                <a:latin typeface="Meiryo UI" panose="020B0604030504040204" pitchFamily="34" charset="-128"/>
+                <a:ea typeface="Meiryo UI" panose="020B0604030504040204" pitchFamily="34" charset="-128"/>
+              </a:rPr>
+              <a:t>資料</a:t>
+            </a:r>
+            <a:r>
+              <a:rPr lang="zh-TW" altLang="en-US" sz="4000" dirty="0" smtClean="0">
+                <a:latin typeface="Meiryo UI" panose="020B0604030504040204" pitchFamily="34" charset="-128"/>
+                <a:ea typeface="Meiryo UI" panose="020B0604030504040204" pitchFamily="34" charset="-128"/>
+              </a:rPr>
+              <a:t>打</a:t>
+            </a:r>
+            <a:r>
+              <a:rPr lang="zh-TW" altLang="en-US" sz="4000" dirty="0">
+                <a:latin typeface="Meiryo UI" panose="020B0604030504040204" pitchFamily="34" charset="-128"/>
+                <a:ea typeface="Meiryo UI" panose="020B0604030504040204" pitchFamily="34" charset="-128"/>
+              </a:rPr>
+              <a:t>亂</a:t>
+            </a:r>
+            <a:endParaRPr lang="zh-TW" altLang="en-US" sz="4000" dirty="0"/>
+          </a:p>
+        </p:txBody>
+      </p:sp>
+      <p:pic>
+        <p:nvPicPr>
+          <p:cNvPr id="4" name="內容版面配置區 3"/>
+          <p:cNvPicPr>
+            <a:picLocks noGrp="1" noChangeAspect="1"/>
+          </p:cNvPicPr>
+          <p:nvPr>
+            <p:ph idx="1"/>
+          </p:nvPr>
+        </p:nvPicPr>
+        <p:blipFill>
+          <a:blip r:embed="rId2"/>
+          <a:stretch>
+            <a:fillRect/>
+          </a:stretch>
+        </p:blipFill>
+        <p:spPr>
+          <a:xfrm>
+            <a:off x="538239" y="2171700"/>
+            <a:ext cx="8458909" cy="4167026"/>
+          </a:xfrm>
+          <a:prstGeom prst="rect">
+            <a:avLst/>
+          </a:prstGeom>
+        </p:spPr>
+      </p:pic>
+    </p:spTree>
+    <p:extLst>
+      <p:ext uri="{BB962C8B-B14F-4D97-AF65-F5344CB8AC3E}">
+        <p14:creationId xmlns:p14="http://schemas.microsoft.com/office/powerpoint/2010/main" val="2946581644"/>
+      </p:ext>
+    </p:extLst>
+  </p:cSld>
+  <p:clrMapOvr>
+    <a:masterClrMapping/>
+  </p:clrMapOvr>
+  <p:timing>
+    <p:tnLst>
+      <p:par>
+        <p:cTn id="1" dur="indefinite" restart="never" nodeType="tmRoot"/>
+      </p:par>
+    </p:tnLst>
+  </p:timing>
+</p:sld>
+</file>
+
+<file path=ppt/slides/slide48.xml><?xml version="1.0" encoding="utf-8"?>
+<p:sld xmlns:a="http://schemas.openxmlformats.org/drawingml/2006/main" xmlns:r="http://schemas.openxmlformats.org/officeDocument/2006/relationships" xmlns:p="http://schemas.openxmlformats.org/presentationml/2006/main">
+  <p:cSld>
+    <p:spTree>
+      <p:nvGrpSpPr>
+        <p:cNvPr id="1" name=""/>
+        <p:cNvGrpSpPr/>
+        <p:nvPr/>
+      </p:nvGrpSpPr>
+      <p:grpSpPr>
+        <a:xfrm>
+          <a:off x="0" y="0"/>
+          <a:ext cx="0" cy="0"/>
+          <a:chOff x="0" y="0"/>
+          <a:chExt cx="0" cy="0"/>
+        </a:xfrm>
+      </p:grpSpPr>
+      <p:sp>
+        <p:nvSpPr>
+          <p:cNvPr id="2" name="標題 1"/>
+          <p:cNvSpPr>
+            <a:spLocks noGrp="1"/>
+          </p:cNvSpPr>
+          <p:nvPr>
+            <p:ph type="title"/>
+          </p:nvPr>
+        </p:nvSpPr>
+        <p:spPr>
+          <a:xfrm>
+            <a:off x="1028699" y="685800"/>
+            <a:ext cx="7477991" cy="1485900"/>
+          </a:xfrm>
+        </p:spPr>
+        <p:txBody>
+          <a:bodyPr>
+            <a:normAutofit/>
+          </a:bodyPr>
+          <a:lstStyle/>
+          <a:p>
+            <a:r>
+              <a:rPr lang="zh-TW" altLang="en-US" sz="4000" dirty="0">
+                <a:latin typeface="Meiryo UI" panose="020B0604030504040204" pitchFamily="34" charset="-128"/>
+                <a:ea typeface="Meiryo UI" panose="020B0604030504040204" pitchFamily="34" charset="-128"/>
+              </a:rPr>
+              <a:t>程式</a:t>
+            </a:r>
+            <a:r>
+              <a:rPr lang="en-US" altLang="zh-TW" sz="4000" dirty="0" smtClean="0">
+                <a:latin typeface="Meiryo UI" panose="020B0604030504040204" pitchFamily="34" charset="-128"/>
+                <a:ea typeface="Meiryo UI" panose="020B0604030504040204" pitchFamily="34" charset="-128"/>
+              </a:rPr>
+              <a:t>-MLP </a:t>
+            </a:r>
+            <a:r>
+              <a:rPr lang="en-US" altLang="zh-TW" sz="4000" dirty="0" smtClean="0">
+                <a:latin typeface="Meiryo UI" panose="020B0604030504040204" pitchFamily="34" charset="-128"/>
+                <a:ea typeface="Meiryo UI" panose="020B0604030504040204" pitchFamily="34" charset="-128"/>
+              </a:rPr>
+              <a:t>model</a:t>
+            </a:r>
+            <a:endParaRPr lang="zh-TW" altLang="en-US" sz="4000" dirty="0"/>
+          </a:p>
+        </p:txBody>
+      </p:sp>
+      <p:pic>
+        <p:nvPicPr>
+          <p:cNvPr id="5" name="內容版面配置區 4"/>
+          <p:cNvPicPr>
+            <a:picLocks noGrp="1" noChangeAspect="1"/>
+          </p:cNvPicPr>
+          <p:nvPr>
+            <p:ph idx="1"/>
+          </p:nvPr>
+        </p:nvPicPr>
+        <p:blipFill>
+          <a:blip r:embed="rId2"/>
+          <a:stretch>
+            <a:fillRect/>
+          </a:stretch>
+        </p:blipFill>
+        <p:spPr>
+          <a:xfrm>
+            <a:off x="538008" y="2171700"/>
+            <a:ext cx="8605992" cy="4067269"/>
+          </a:xfrm>
+          <a:prstGeom prst="rect">
+            <a:avLst/>
+          </a:prstGeom>
+        </p:spPr>
+      </p:pic>
+    </p:spTree>
+    <p:extLst>
+      <p:ext uri="{BB962C8B-B14F-4D97-AF65-F5344CB8AC3E}">
+        <p14:creationId xmlns:p14="http://schemas.microsoft.com/office/powerpoint/2010/main" val="972656802"/>
+      </p:ext>
+    </p:extLst>
+  </p:cSld>
+  <p:clrMapOvr>
+    <a:masterClrMapping/>
+  </p:clrMapOvr>
+  <p:timing>
+    <p:tnLst>
+      <p:par>
+        <p:cTn id="1" dur="indefinite" restart="never" nodeType="tmRoot"/>
+      </p:par>
+    </p:tnLst>
+  </p:timing>
+</p:sld>
+</file>
+
+<file path=ppt/slides/slide49.xml><?xml version="1.0" encoding="utf-8"?>
+<p:sld xmlns:a="http://schemas.openxmlformats.org/drawingml/2006/main" xmlns:r="http://schemas.openxmlformats.org/officeDocument/2006/relationships" xmlns:p="http://schemas.openxmlformats.org/presentationml/2006/main">
+  <p:cSld>
+    <p:spTree>
+      <p:nvGrpSpPr>
+        <p:cNvPr id="1" name=""/>
+        <p:cNvGrpSpPr/>
+        <p:nvPr/>
+      </p:nvGrpSpPr>
+      <p:grpSpPr>
+        <a:xfrm>
+          <a:off x="0" y="0"/>
+          <a:ext cx="0" cy="0"/>
+          <a:chOff x="0" y="0"/>
+          <a:chExt cx="0" cy="0"/>
+        </a:xfrm>
+      </p:grpSpPr>
+      <p:sp>
+        <p:nvSpPr>
+          <p:cNvPr id="2" name="標題 1"/>
+          <p:cNvSpPr>
+            <a:spLocks noGrp="1"/>
+          </p:cNvSpPr>
+          <p:nvPr>
+            <p:ph type="title"/>
+          </p:nvPr>
+        </p:nvSpPr>
+        <p:spPr>
+          <a:xfrm>
+            <a:off x="1028699" y="685800"/>
+            <a:ext cx="7477991" cy="1485900"/>
+          </a:xfrm>
+        </p:spPr>
+        <p:txBody>
+          <a:bodyPr>
+            <a:normAutofit/>
+          </a:bodyPr>
+          <a:lstStyle/>
+          <a:p>
+            <a:r>
+              <a:rPr lang="zh-TW" altLang="en-US" sz="4000" dirty="0">
+                <a:latin typeface="Meiryo UI" panose="020B0604030504040204" pitchFamily="34" charset="-128"/>
+                <a:ea typeface="Meiryo UI" panose="020B0604030504040204" pitchFamily="34" charset="-128"/>
+              </a:rPr>
+              <a:t>程式</a:t>
+            </a:r>
+            <a:r>
+              <a:rPr lang="en-US" altLang="zh-TW" sz="4000" dirty="0" smtClean="0">
+                <a:latin typeface="Meiryo UI" panose="020B0604030504040204" pitchFamily="34" charset="-128"/>
+                <a:ea typeface="Meiryo UI" panose="020B0604030504040204" pitchFamily="34" charset="-128"/>
+              </a:rPr>
+              <a:t>-</a:t>
+            </a:r>
+            <a:r>
+              <a:rPr lang="en-US" altLang="zh-TW" sz="4000" dirty="0" smtClean="0">
+                <a:latin typeface="Meiryo UI" panose="020B0604030504040204" pitchFamily="34" charset="-128"/>
+                <a:ea typeface="Meiryo UI" panose="020B0604030504040204" pitchFamily="34" charset="-128"/>
+              </a:rPr>
+              <a:t>MLP </a:t>
+            </a:r>
+            <a:r>
+              <a:rPr lang="zh-TW" altLang="en-US" sz="4000" dirty="0" smtClean="0">
+                <a:latin typeface="Meiryo UI" panose="020B0604030504040204" pitchFamily="34" charset="-128"/>
+                <a:ea typeface="Meiryo UI" panose="020B0604030504040204" pitchFamily="34" charset="-128"/>
+              </a:rPr>
+              <a:t>測試與存檔</a:t>
+            </a:r>
+            <a:endParaRPr lang="zh-TW" altLang="en-US" sz="4000" dirty="0"/>
+          </a:p>
+        </p:txBody>
+      </p:sp>
+      <p:pic>
+        <p:nvPicPr>
+          <p:cNvPr id="4" name="內容版面配置區 3"/>
+          <p:cNvPicPr>
+            <a:picLocks noGrp="1" noChangeAspect="1"/>
+          </p:cNvPicPr>
+          <p:nvPr>
+            <p:ph idx="1"/>
+          </p:nvPr>
+        </p:nvPicPr>
+        <p:blipFill>
+          <a:blip r:embed="rId2"/>
+          <a:stretch>
+            <a:fillRect/>
+          </a:stretch>
+        </p:blipFill>
+        <p:spPr>
+          <a:xfrm>
+            <a:off x="599209" y="1690254"/>
+            <a:ext cx="8468370" cy="4211782"/>
+          </a:xfrm>
+          <a:prstGeom prst="rect">
+            <a:avLst/>
+          </a:prstGeom>
+        </p:spPr>
+      </p:pic>
+    </p:spTree>
+    <p:extLst>
+      <p:ext uri="{BB962C8B-B14F-4D97-AF65-F5344CB8AC3E}">
+        <p14:creationId xmlns:p14="http://schemas.microsoft.com/office/powerpoint/2010/main" val="3564242109"/>
+      </p:ext>
+    </p:extLst>
+  </p:cSld>
+  <p:clrMapOvr>
+    <a:masterClrMapping/>
+  </p:clrMapOvr>
+  <p:timing>
+    <p:tnLst>
+      <p:par>
+        <p:cTn id="1" dur="indefinite" restart="never" nodeType="tmRoot"/>
+      </p:par>
+    </p:tnLst>
+  </p:timing>
+</p:sld>
+</file>
+
+<file path=ppt/slides/slide5.xml><?xml version="1.0" encoding="utf-8"?>
+<p:sld xmlns:a="http://schemas.openxmlformats.org/drawingml/2006/main" xmlns:r="http://schemas.openxmlformats.org/officeDocument/2006/relationships" xmlns:p="http://schemas.openxmlformats.org/presentationml/2006/main">
+  <p:cSld>
+    <p:spTree>
+      <p:nvGrpSpPr>
+        <p:cNvPr id="1" name=""/>
+        <p:cNvGrpSpPr/>
+        <p:nvPr/>
+      </p:nvGrpSpPr>
+      <p:grpSpPr>
+        <a:xfrm>
+          <a:off x="0" y="0"/>
+          <a:ext cx="0" cy="0"/>
+          <a:chOff x="0" y="0"/>
+          <a:chExt cx="0" cy="0"/>
+        </a:xfrm>
+      </p:grpSpPr>
+      <p:sp>
+        <p:nvSpPr>
+          <p:cNvPr id="2" name="標題 1"/>
+          <p:cNvSpPr>
+            <a:spLocks noGrp="1"/>
+          </p:cNvSpPr>
+          <p:nvPr>
+            <p:ph type="title"/>
+          </p:nvPr>
+        </p:nvSpPr>
+        <p:spPr/>
+        <p:txBody>
+          <a:bodyPr/>
+          <a:lstStyle/>
+          <a:p>
+            <a:r>
+              <a:rPr lang="zh-TW" altLang="en-US" dirty="0" smtClean="0">
+                <a:latin typeface="Meiryo UI" panose="020B0604030504040204" pitchFamily="34" charset="-128"/>
+                <a:ea typeface="Meiryo UI" panose="020B0604030504040204" pitchFamily="34" charset="-128"/>
+              </a:rPr>
+              <a:t>乒乓球外部介面需求</a:t>
+            </a:r>
+            <a:endParaRPr lang="zh-TW" altLang="en-US" dirty="0">
+              <a:latin typeface="Meiryo UI" panose="020B0604030504040204" pitchFamily="34" charset="-128"/>
+              <a:ea typeface="Meiryo UI" panose="020B0604030504040204" pitchFamily="34" charset="-128"/>
+            </a:endParaRPr>
+          </a:p>
+        </p:txBody>
+      </p:sp>
+      <p:sp>
+        <p:nvSpPr>
+          <p:cNvPr id="3" name="內容版面配置區 2"/>
+          <p:cNvSpPr>
+            <a:spLocks noGrp="1"/>
+          </p:cNvSpPr>
+          <p:nvPr>
+            <p:ph idx="1"/>
+          </p:nvPr>
+        </p:nvSpPr>
+        <p:spPr>
+          <a:xfrm>
+            <a:off x="609600" y="1579418"/>
+            <a:ext cx="8368145" cy="5167745"/>
+          </a:xfrm>
+        </p:spPr>
+        <p:txBody>
+          <a:bodyPr>
+            <a:normAutofit/>
+          </a:bodyPr>
+          <a:lstStyle/>
+          <a:p>
+            <a:r>
+              <a:rPr lang="zh-TW" altLang="en-US" dirty="0" smtClean="0">
+                <a:latin typeface="Meiryo UI" panose="020B0604030504040204" pitchFamily="34" charset="-128"/>
+                <a:ea typeface="Meiryo UI" panose="020B0604030504040204" pitchFamily="34" charset="-128"/>
+              </a:rPr>
+              <a:t>終端</a:t>
+            </a:r>
+            <a:r>
+              <a:rPr lang="zh-TW" altLang="en-US" dirty="0">
+                <a:latin typeface="Meiryo UI" panose="020B0604030504040204" pitchFamily="34" charset="-128"/>
+                <a:ea typeface="Meiryo UI" panose="020B0604030504040204" pitchFamily="34" charset="-128"/>
+              </a:rPr>
+              <a:t>機</a:t>
+            </a:r>
+            <a:r>
+              <a:rPr lang="zh-TW" altLang="en-US" dirty="0" smtClean="0">
+                <a:latin typeface="Meiryo UI" panose="020B0604030504040204" pitchFamily="34" charset="-128"/>
+                <a:ea typeface="Meiryo UI" panose="020B0604030504040204" pitchFamily="34" charset="-128"/>
+              </a:rPr>
+              <a:t>執行遊戲：</a:t>
+            </a:r>
+            <a:endParaRPr lang="en-US" altLang="zh-TW" dirty="0" smtClean="0">
+              <a:latin typeface="Meiryo UI" panose="020B0604030504040204" pitchFamily="34" charset="-128"/>
+              <a:ea typeface="Meiryo UI" panose="020B0604030504040204" pitchFamily="34" charset="-128"/>
+            </a:endParaRPr>
+          </a:p>
+          <a:p>
+            <a:pPr lvl="1"/>
+            <a:r>
+              <a:rPr lang="en-US" altLang="zh-TW" i="0" dirty="0">
+                <a:latin typeface="Meiryo UI" panose="020B0604030504040204" pitchFamily="34" charset="-128"/>
+                <a:ea typeface="Meiryo UI" panose="020B0604030504040204" pitchFamily="34" charset="-128"/>
+              </a:rPr>
+              <a:t>p</a:t>
+            </a:r>
+            <a:r>
+              <a:rPr lang="en-US" altLang="zh-TW" i="0" dirty="0" smtClean="0">
+                <a:latin typeface="Meiryo UI" panose="020B0604030504040204" pitchFamily="34" charset="-128"/>
+                <a:ea typeface="Meiryo UI" panose="020B0604030504040204" pitchFamily="34" charset="-128"/>
+              </a:rPr>
+              <a:t>ython MLGame.py [options] </a:t>
+            </a:r>
+            <a:r>
+              <a:rPr lang="en-US" altLang="zh-TW" i="0" dirty="0" err="1" smtClean="0">
+                <a:latin typeface="Meiryo UI" panose="020B0604030504040204" pitchFamily="34" charset="-128"/>
+                <a:ea typeface="Meiryo UI" panose="020B0604030504040204" pitchFamily="34" charset="-128"/>
+              </a:rPr>
+              <a:t>pingpong</a:t>
+            </a:r>
+            <a:r>
+              <a:rPr lang="en-US" altLang="zh-TW" i="0" dirty="0" smtClean="0">
+                <a:latin typeface="Meiryo UI" panose="020B0604030504040204" pitchFamily="34" charset="-128"/>
+                <a:ea typeface="Meiryo UI" panose="020B0604030504040204" pitchFamily="34" charset="-128"/>
+              </a:rPr>
+              <a:t> [</a:t>
+            </a:r>
+            <a:r>
+              <a:rPr lang="en-US" altLang="zh-TW" i="0" dirty="0" err="1" smtClean="0">
+                <a:latin typeface="Meiryo UI" panose="020B0604030504040204" pitchFamily="34" charset="-128"/>
+                <a:ea typeface="Meiryo UI" panose="020B0604030504040204" pitchFamily="34" charset="-128"/>
+              </a:rPr>
+              <a:t>game_over_score</a:t>
+            </a:r>
+            <a:r>
+              <a:rPr lang="en-US" altLang="zh-TW" i="0" dirty="0" smtClean="0">
+                <a:latin typeface="Meiryo UI" panose="020B0604030504040204" pitchFamily="34" charset="-128"/>
+                <a:ea typeface="Meiryo UI" panose="020B0604030504040204" pitchFamily="34" charset="-128"/>
+              </a:rPr>
+              <a:t>]</a:t>
+            </a:r>
+          </a:p>
+          <a:p>
+            <a:pPr lvl="1"/>
+            <a:r>
+              <a:rPr lang="en-US" altLang="zh-TW" i="0" dirty="0">
+                <a:latin typeface="Meiryo UI" panose="020B0604030504040204" pitchFamily="34" charset="-128"/>
+                <a:ea typeface="Meiryo UI" panose="020B0604030504040204" pitchFamily="34" charset="-128"/>
+              </a:rPr>
+              <a:t>o</a:t>
+            </a:r>
+            <a:r>
+              <a:rPr lang="en-US" altLang="zh-TW" i="0" dirty="0" smtClean="0">
+                <a:latin typeface="Meiryo UI" panose="020B0604030504040204" pitchFamily="34" charset="-128"/>
+                <a:ea typeface="Meiryo UI" panose="020B0604030504040204" pitchFamily="34" charset="-128"/>
+              </a:rPr>
+              <a:t>ption </a:t>
+            </a:r>
+            <a:r>
+              <a:rPr lang="zh-TW" altLang="en-US" i="0" dirty="0" smtClean="0">
+                <a:latin typeface="Meiryo UI" panose="020B0604030504040204" pitchFamily="34" charset="-128"/>
+                <a:ea typeface="Meiryo UI" panose="020B0604030504040204" pitchFamily="34" charset="-128"/>
+              </a:rPr>
+              <a:t>可指定遊戲運行的方式，利用 </a:t>
+            </a:r>
+            <a:r>
+              <a:rPr lang="en-US" altLang="zh-TW" i="0" dirty="0" smtClean="0">
+                <a:latin typeface="Meiryo UI" panose="020B0604030504040204" pitchFamily="34" charset="-128"/>
+                <a:ea typeface="Meiryo UI" panose="020B0604030504040204" pitchFamily="34" charset="-128"/>
+              </a:rPr>
+              <a:t>python MLGame.py –h </a:t>
+            </a:r>
+            <a:r>
+              <a:rPr lang="zh-TW" altLang="en-US" i="0" dirty="0" smtClean="0">
+                <a:latin typeface="Meiryo UI" panose="020B0604030504040204" pitchFamily="34" charset="-128"/>
+                <a:ea typeface="Meiryo UI" panose="020B0604030504040204" pitchFamily="34" charset="-128"/>
+              </a:rPr>
+              <a:t>查看可用的選項</a:t>
+            </a:r>
+            <a:endParaRPr lang="en-US" altLang="zh-TW" i="0" dirty="0" smtClean="0">
+              <a:latin typeface="Meiryo UI" panose="020B0604030504040204" pitchFamily="34" charset="-128"/>
+              <a:ea typeface="Meiryo UI" panose="020B0604030504040204" pitchFamily="34" charset="-128"/>
+            </a:endParaRPr>
+          </a:p>
+          <a:p>
+            <a:pPr lvl="1"/>
+            <a:r>
+              <a:rPr lang="en-US" altLang="zh-TW" i="0" dirty="0" err="1" smtClean="0">
+                <a:latin typeface="Meiryo UI" panose="020B0604030504040204" pitchFamily="34" charset="-128"/>
+                <a:ea typeface="Meiryo UI" panose="020B0604030504040204" pitchFamily="34" charset="-128"/>
+              </a:rPr>
+              <a:t>game_over_score</a:t>
+            </a:r>
+            <a:r>
+              <a:rPr lang="zh-TW" altLang="en-US" i="0" dirty="0" smtClean="0">
+                <a:latin typeface="Meiryo UI" panose="020B0604030504040204" pitchFamily="34" charset="-128"/>
+                <a:ea typeface="Meiryo UI" panose="020B0604030504040204" pitchFamily="34" charset="-128"/>
+              </a:rPr>
+              <a:t> </a:t>
+            </a:r>
+            <a:r>
+              <a:rPr lang="zh-TW" altLang="en-US" i="0" dirty="0"/>
+              <a:t>：</a:t>
+            </a:r>
+            <a:r>
+              <a:rPr lang="zh-TW" altLang="en-US" i="0" dirty="0">
+                <a:latin typeface="Meiryo UI" panose="020B0604030504040204" pitchFamily="34" charset="-128"/>
+                <a:ea typeface="Meiryo UI" panose="020B0604030504040204" pitchFamily="34" charset="-128"/>
+              </a:rPr>
+              <a:t>指定遊戲結束的分數，當任一方達到此分數，就會結束遊戲。預設是 </a:t>
+            </a:r>
+            <a:r>
+              <a:rPr lang="en-US" altLang="zh-TW" i="0" dirty="0">
+                <a:latin typeface="Meiryo UI" panose="020B0604030504040204" pitchFamily="34" charset="-128"/>
+                <a:ea typeface="Meiryo UI" panose="020B0604030504040204" pitchFamily="34" charset="-128"/>
+              </a:rPr>
+              <a:t>3 </a:t>
+            </a:r>
+            <a:r>
+              <a:rPr lang="zh-TW" altLang="en-US" i="0" dirty="0">
+                <a:latin typeface="Meiryo UI" panose="020B0604030504040204" pitchFamily="34" charset="-128"/>
+                <a:ea typeface="Meiryo UI" panose="020B0604030504040204" pitchFamily="34" charset="-128"/>
+              </a:rPr>
+              <a:t>分。</a:t>
+            </a:r>
+            <a:endParaRPr lang="en-US" altLang="zh-TW" i="0" dirty="0" smtClean="0">
+              <a:latin typeface="Meiryo UI" panose="020B0604030504040204" pitchFamily="34" charset="-128"/>
+              <a:ea typeface="Meiryo UI" panose="020B0604030504040204" pitchFamily="34" charset="-128"/>
+            </a:endParaRPr>
+          </a:p>
+          <a:p>
+            <a:r>
+              <a:rPr lang="zh-TW" altLang="en-US" dirty="0" smtClean="0">
+                <a:latin typeface="Meiryo UI" panose="020B0604030504040204" pitchFamily="34" charset="-128"/>
+                <a:ea typeface="Meiryo UI" panose="020B0604030504040204" pitchFamily="34" charset="-128"/>
+              </a:rPr>
+              <a:t>手動執行乒乓球指令：</a:t>
+            </a:r>
+            <a:endParaRPr lang="en-US" altLang="zh-TW" dirty="0" smtClean="0">
+              <a:latin typeface="Meiryo UI" panose="020B0604030504040204" pitchFamily="34" charset="-128"/>
+              <a:ea typeface="Meiryo UI" panose="020B0604030504040204" pitchFamily="34" charset="-128"/>
+            </a:endParaRPr>
+          </a:p>
+          <a:p>
+            <a:pPr lvl="1"/>
+            <a:r>
+              <a:rPr lang="en-US" altLang="zh-TW" i="0" dirty="0">
+                <a:latin typeface="Meiryo UI" panose="020B0604030504040204" pitchFamily="34" charset="-128"/>
+                <a:ea typeface="Meiryo UI" panose="020B0604030504040204" pitchFamily="34" charset="-128"/>
+              </a:rPr>
+              <a:t>python MLGame.py -m </a:t>
+            </a:r>
+            <a:r>
+              <a:rPr lang="en-US" altLang="zh-TW" i="0" dirty="0" err="1" smtClean="0">
+                <a:latin typeface="Meiryo UI" panose="020B0604030504040204" pitchFamily="34" charset="-128"/>
+                <a:ea typeface="Meiryo UI" panose="020B0604030504040204" pitchFamily="34" charset="-128"/>
+              </a:rPr>
+              <a:t>pingpong</a:t>
+            </a:r>
+            <a:endParaRPr lang="en-US" altLang="zh-TW" i="0" dirty="0">
+              <a:latin typeface="Meiryo UI" panose="020B0604030504040204" pitchFamily="34" charset="-128"/>
+              <a:ea typeface="Meiryo UI" panose="020B0604030504040204" pitchFamily="34" charset="-128"/>
+            </a:endParaRPr>
+          </a:p>
+          <a:p>
+            <a:r>
+              <a:rPr lang="zh-TW" altLang="en-US" dirty="0" smtClean="0">
+                <a:latin typeface="Meiryo UI" panose="020B0604030504040204" pitchFamily="34" charset="-128"/>
+                <a:ea typeface="Meiryo UI" panose="020B0604030504040204" pitchFamily="34" charset="-128"/>
+              </a:rPr>
+              <a:t>機器學習模式中的手動模式</a:t>
+            </a:r>
+            <a:r>
+              <a:rPr lang="zh-TW" altLang="en-US" dirty="0">
+                <a:latin typeface="Meiryo UI" panose="020B0604030504040204" pitchFamily="34" charset="-128"/>
+                <a:ea typeface="Meiryo UI" panose="020B0604030504040204" pitchFamily="34" charset="-128"/>
+              </a:rPr>
+              <a:t>執行乒乓球指令：</a:t>
+            </a:r>
+            <a:endParaRPr lang="en-US" altLang="zh-TW" dirty="0">
+              <a:latin typeface="Meiryo UI" panose="020B0604030504040204" pitchFamily="34" charset="-128"/>
+              <a:ea typeface="Meiryo UI" panose="020B0604030504040204" pitchFamily="34" charset="-128"/>
+            </a:endParaRPr>
+          </a:p>
+          <a:p>
+            <a:pPr lvl="1"/>
+            <a:r>
+              <a:rPr lang="en-US" altLang="zh-TW" i="0" dirty="0" smtClean="0">
+                <a:latin typeface="Meiryo UI" panose="020B0604030504040204" pitchFamily="34" charset="-128"/>
+                <a:ea typeface="Meiryo UI" panose="020B0604030504040204" pitchFamily="34" charset="-128"/>
+              </a:rPr>
+              <a:t>python MLGame.py </a:t>
+            </a:r>
+            <a:r>
+              <a:rPr lang="en-US" altLang="zh-TW" i="0" dirty="0" err="1" smtClean="0">
+                <a:latin typeface="Meiryo UI" panose="020B0604030504040204" pitchFamily="34" charset="-128"/>
+                <a:ea typeface="Meiryo UI" panose="020B0604030504040204" pitchFamily="34" charset="-128"/>
+              </a:rPr>
+              <a:t>pingpong</a:t>
+            </a:r>
+            <a:r>
+              <a:rPr lang="en-US" altLang="zh-TW" i="0" dirty="0" smtClean="0">
+                <a:latin typeface="Meiryo UI" panose="020B0604030504040204" pitchFamily="34" charset="-128"/>
+                <a:ea typeface="Meiryo UI" panose="020B0604030504040204" pitchFamily="34" charset="-128"/>
+              </a:rPr>
+              <a:t> -</a:t>
+            </a:r>
+            <a:r>
+              <a:rPr lang="en-US" altLang="zh-TW" i="0" dirty="0" err="1" smtClean="0">
+                <a:latin typeface="Meiryo UI" panose="020B0604030504040204" pitchFamily="34" charset="-128"/>
+                <a:ea typeface="Meiryo UI" panose="020B0604030504040204" pitchFamily="34" charset="-128"/>
+              </a:rPr>
+              <a:t>i</a:t>
+            </a:r>
+            <a:r>
+              <a:rPr lang="en-US" altLang="zh-TW" i="0" dirty="0" smtClean="0">
+                <a:latin typeface="Meiryo UI" panose="020B0604030504040204" pitchFamily="34" charset="-128"/>
+                <a:ea typeface="Meiryo UI" panose="020B0604030504040204" pitchFamily="34" charset="-128"/>
+              </a:rPr>
+              <a:t> ml_play_template.py ml_play_manual.py</a:t>
+            </a:r>
+          </a:p>
+          <a:p>
+            <a:pPr lvl="1"/>
+            <a:r>
+              <a:rPr lang="en-US" altLang="zh-TW" i="0" dirty="0" smtClean="0">
+                <a:latin typeface="Meiryo UI" panose="020B0604030504040204" pitchFamily="34" charset="-128"/>
+                <a:ea typeface="Meiryo UI" panose="020B0604030504040204" pitchFamily="34" charset="-128"/>
+              </a:rPr>
+              <a:t>ml_play_template.py</a:t>
+            </a:r>
+            <a:r>
+              <a:rPr lang="zh-TW" altLang="en-US" i="0" dirty="0" smtClean="0">
+                <a:latin typeface="Meiryo UI" panose="020B0604030504040204" pitchFamily="34" charset="-128"/>
+                <a:ea typeface="Meiryo UI" panose="020B0604030504040204" pitchFamily="34" charset="-128"/>
+              </a:rPr>
+              <a:t> 是機器學習的檔案</a:t>
+            </a:r>
+            <a:endParaRPr lang="en-US" altLang="zh-TW" i="0" dirty="0" smtClean="0">
+              <a:latin typeface="Meiryo UI" panose="020B0604030504040204" pitchFamily="34" charset="-128"/>
+              <a:ea typeface="Meiryo UI" panose="020B0604030504040204" pitchFamily="34" charset="-128"/>
+            </a:endParaRPr>
+          </a:p>
+          <a:p>
+            <a:pPr lvl="1"/>
+            <a:r>
+              <a:rPr lang="en-US" altLang="zh-TW" i="0" dirty="0">
+                <a:latin typeface="Meiryo UI" panose="020B0604030504040204" pitchFamily="34" charset="-128"/>
+                <a:ea typeface="Meiryo UI" panose="020B0604030504040204" pitchFamily="34" charset="-128"/>
+              </a:rPr>
+              <a:t>ml_play_manual.py</a:t>
+            </a:r>
+            <a:r>
+              <a:rPr lang="en-US" altLang="zh-TW" dirty="0">
+                <a:latin typeface="Meiryo UI" panose="020B0604030504040204" pitchFamily="34" charset="-128"/>
+                <a:ea typeface="Meiryo UI" panose="020B0604030504040204" pitchFamily="34" charset="-128"/>
+              </a:rPr>
+              <a:t> </a:t>
+            </a:r>
+            <a:r>
+              <a:rPr lang="zh-TW" altLang="en-US" dirty="0">
+                <a:latin typeface="Meiryo UI" panose="020B0604030504040204" pitchFamily="34" charset="-128"/>
+                <a:ea typeface="Meiryo UI" panose="020B0604030504040204" pitchFamily="34" charset="-128"/>
+              </a:rPr>
+              <a:t>是手動模式的</a:t>
+            </a:r>
+            <a:r>
+              <a:rPr lang="zh-TW" altLang="en-US" dirty="0" smtClean="0">
+                <a:latin typeface="Meiryo UI" panose="020B0604030504040204" pitchFamily="34" charset="-128"/>
+                <a:ea typeface="Meiryo UI" panose="020B0604030504040204" pitchFamily="34" charset="-128"/>
+              </a:rPr>
+              <a:t>檔案</a:t>
+            </a:r>
+            <a:endParaRPr lang="en-US" altLang="zh-TW" i="0" dirty="0">
+              <a:latin typeface="Meiryo UI" panose="020B0604030504040204" pitchFamily="34" charset="-128"/>
+              <a:ea typeface="Meiryo UI" panose="020B0604030504040204" pitchFamily="34" charset="-128"/>
+            </a:endParaRPr>
+          </a:p>
+        </p:txBody>
+      </p:sp>
+    </p:spTree>
+    <p:extLst>
+      <p:ext uri="{BB962C8B-B14F-4D97-AF65-F5344CB8AC3E}">
+        <p14:creationId xmlns:p14="http://schemas.microsoft.com/office/powerpoint/2010/main" val="3394567714"/>
+      </p:ext>
+    </p:extLst>
+  </p:cSld>
+  <p:clrMapOvr>
+    <a:masterClrMapping/>
+  </p:clrMapOvr>
+  <p:timing>
+    <p:tnLst>
+      <p:par>
+        <p:cTn id="1" dur="indefinite" restart="never" nodeType="tmRoot"/>
+      </p:par>
+    </p:tnLst>
+  </p:timing>
+</p:sld>
+</file>
+
+<file path=ppt/slides/slide50.xml><?xml version="1.0" encoding="utf-8"?>
+<p:sld xmlns:a="http://schemas.openxmlformats.org/drawingml/2006/main" xmlns:r="http://schemas.openxmlformats.org/officeDocument/2006/relationships" xmlns:p="http://schemas.openxmlformats.org/presentationml/2006/main">
+  <p:cSld>
+    <p:spTree>
+      <p:nvGrpSpPr>
+        <p:cNvPr id="1" name=""/>
+        <p:cNvGrpSpPr/>
+        <p:nvPr/>
+      </p:nvGrpSpPr>
+      <p:grpSpPr>
+        <a:xfrm>
+          <a:off x="0" y="0"/>
+          <a:ext cx="0" cy="0"/>
+          <a:chOff x="0" y="0"/>
+          <a:chExt cx="0" cy="0"/>
+        </a:xfrm>
+      </p:grpSpPr>
+      <p:sp>
+        <p:nvSpPr>
+          <p:cNvPr id="2" name="標題 1"/>
+          <p:cNvSpPr>
+            <a:spLocks noGrp="1"/>
+          </p:cNvSpPr>
+          <p:nvPr>
+            <p:ph type="title"/>
+          </p:nvPr>
+        </p:nvSpPr>
+        <p:spPr>
+          <a:xfrm>
+            <a:off x="1028699" y="685800"/>
+            <a:ext cx="7477991" cy="1485900"/>
+          </a:xfrm>
+        </p:spPr>
+        <p:txBody>
+          <a:bodyPr>
+            <a:normAutofit/>
+          </a:bodyPr>
+          <a:lstStyle/>
+          <a:p>
+            <a:r>
+              <a:rPr lang="zh-TW" altLang="en-US" sz="4000" dirty="0">
+                <a:latin typeface="Meiryo UI" panose="020B0604030504040204" pitchFamily="34" charset="-128"/>
+                <a:ea typeface="Meiryo UI" panose="020B0604030504040204" pitchFamily="34" charset="-128"/>
+              </a:rPr>
+              <a:t>程式</a:t>
+            </a:r>
+            <a:r>
+              <a:rPr lang="en-US" altLang="zh-TW" sz="4000" dirty="0" smtClean="0">
+                <a:latin typeface="Meiryo UI" panose="020B0604030504040204" pitchFamily="34" charset="-128"/>
+                <a:ea typeface="Meiryo UI" panose="020B0604030504040204" pitchFamily="34" charset="-128"/>
+              </a:rPr>
+              <a:t>-</a:t>
+            </a:r>
+            <a:r>
+              <a:rPr lang="zh-TW" altLang="en-US" sz="4000" dirty="0" smtClean="0">
+                <a:latin typeface="Meiryo UI" panose="020B0604030504040204" pitchFamily="34" charset="-128"/>
+                <a:ea typeface="Meiryo UI" panose="020B0604030504040204" pitchFamily="34" charset="-128"/>
+              </a:rPr>
+              <a:t>乒乓球主程式</a:t>
+            </a:r>
+            <a:r>
+              <a:rPr lang="en-US" altLang="zh-TW" sz="4000" dirty="0" smtClean="0">
+                <a:latin typeface="Meiryo UI" panose="020B0604030504040204" pitchFamily="34" charset="-128"/>
+                <a:ea typeface="Meiryo UI" panose="020B0604030504040204" pitchFamily="34" charset="-128"/>
+              </a:rPr>
+              <a:t>1</a:t>
+            </a:r>
+            <a:endParaRPr lang="zh-TW" altLang="en-US" sz="4000" dirty="0"/>
+          </a:p>
+        </p:txBody>
+      </p:sp>
+      <p:pic>
+        <p:nvPicPr>
+          <p:cNvPr id="7" name="內容版面配置區 6"/>
+          <p:cNvPicPr>
+            <a:picLocks noGrp="1" noChangeAspect="1"/>
+          </p:cNvPicPr>
+          <p:nvPr>
+            <p:ph idx="1"/>
+          </p:nvPr>
+        </p:nvPicPr>
+        <p:blipFill>
+          <a:blip r:embed="rId2"/>
+          <a:stretch>
+            <a:fillRect/>
+          </a:stretch>
+        </p:blipFill>
+        <p:spPr>
+          <a:xfrm>
+            <a:off x="682335" y="1317913"/>
+            <a:ext cx="6544704" cy="5304560"/>
+          </a:xfrm>
+          <a:prstGeom prst="rect">
+            <a:avLst/>
+          </a:prstGeom>
+        </p:spPr>
+      </p:pic>
+    </p:spTree>
+    <p:extLst>
+      <p:ext uri="{BB962C8B-B14F-4D97-AF65-F5344CB8AC3E}">
+        <p14:creationId xmlns:p14="http://schemas.microsoft.com/office/powerpoint/2010/main" val="945424042"/>
+      </p:ext>
+    </p:extLst>
+  </p:cSld>
+  <p:clrMapOvr>
+    <a:masterClrMapping/>
+  </p:clrMapOvr>
+  <p:timing>
+    <p:tnLst>
+      <p:par>
+        <p:cTn id="1" dur="indefinite" restart="never" nodeType="tmRoot"/>
+      </p:par>
+    </p:tnLst>
+  </p:timing>
+</p:sld>
+</file>
+
+<file path=ppt/slides/slide51.xml><?xml version="1.0" encoding="utf-8"?>
+<p:sld xmlns:a="http://schemas.openxmlformats.org/drawingml/2006/main" xmlns:r="http://schemas.openxmlformats.org/officeDocument/2006/relationships" xmlns:p="http://schemas.openxmlformats.org/presentationml/2006/main">
+  <p:cSld>
+    <p:spTree>
+      <p:nvGrpSpPr>
+        <p:cNvPr id="1" name=""/>
+        <p:cNvGrpSpPr/>
+        <p:nvPr/>
+      </p:nvGrpSpPr>
+      <p:grpSpPr>
+        <a:xfrm>
+          <a:off x="0" y="0"/>
+          <a:ext cx="0" cy="0"/>
+          <a:chOff x="0" y="0"/>
+          <a:chExt cx="0" cy="0"/>
+        </a:xfrm>
+      </p:grpSpPr>
+      <p:sp>
+        <p:nvSpPr>
+          <p:cNvPr id="2" name="標題 1"/>
+          <p:cNvSpPr>
+            <a:spLocks noGrp="1"/>
+          </p:cNvSpPr>
+          <p:nvPr>
+            <p:ph type="title"/>
+          </p:nvPr>
+        </p:nvSpPr>
+        <p:spPr>
+          <a:xfrm>
+            <a:off x="1028699" y="685800"/>
+            <a:ext cx="7477991" cy="1485900"/>
+          </a:xfrm>
+        </p:spPr>
+        <p:txBody>
+          <a:bodyPr>
+            <a:normAutofit/>
+          </a:bodyPr>
+          <a:lstStyle/>
+          <a:p>
+            <a:r>
+              <a:rPr lang="zh-TW" altLang="en-US" sz="4000" dirty="0">
+                <a:latin typeface="Meiryo UI" panose="020B0604030504040204" pitchFamily="34" charset="-128"/>
+                <a:ea typeface="Meiryo UI" panose="020B0604030504040204" pitchFamily="34" charset="-128"/>
+              </a:rPr>
+              <a:t>程式</a:t>
+            </a:r>
+            <a:r>
+              <a:rPr lang="en-US" altLang="zh-TW" sz="4000" dirty="0" smtClean="0">
+                <a:latin typeface="Meiryo UI" panose="020B0604030504040204" pitchFamily="34" charset="-128"/>
+                <a:ea typeface="Meiryo UI" panose="020B0604030504040204" pitchFamily="34" charset="-128"/>
+              </a:rPr>
+              <a:t>-</a:t>
+            </a:r>
+            <a:r>
+              <a:rPr lang="zh-TW" altLang="en-US" sz="4000" dirty="0" smtClean="0">
+                <a:latin typeface="Meiryo UI" panose="020B0604030504040204" pitchFamily="34" charset="-128"/>
+                <a:ea typeface="Meiryo UI" panose="020B0604030504040204" pitchFamily="34" charset="-128"/>
+              </a:rPr>
+              <a:t>乒乓球主程式</a:t>
+            </a:r>
+            <a:r>
+              <a:rPr lang="en-US" altLang="zh-TW" sz="4000" dirty="0">
+                <a:latin typeface="Meiryo UI" panose="020B0604030504040204" pitchFamily="34" charset="-128"/>
+                <a:ea typeface="Meiryo UI" panose="020B0604030504040204" pitchFamily="34" charset="-128"/>
+              </a:rPr>
+              <a:t>2</a:t>
+            </a:r>
+            <a:endParaRPr lang="zh-TW" altLang="en-US" sz="4000" dirty="0"/>
+          </a:p>
+        </p:txBody>
+      </p:sp>
+      <p:pic>
+        <p:nvPicPr>
+          <p:cNvPr id="4" name="內容版面配置區 3"/>
+          <p:cNvPicPr>
+            <a:picLocks noGrp="1" noChangeAspect="1"/>
+          </p:cNvPicPr>
+          <p:nvPr>
+            <p:ph idx="1"/>
+          </p:nvPr>
+        </p:nvPicPr>
+        <p:blipFill>
+          <a:blip r:embed="rId2"/>
+          <a:stretch>
+            <a:fillRect/>
+          </a:stretch>
+        </p:blipFill>
+        <p:spPr>
+          <a:xfrm>
+            <a:off x="508357" y="1428750"/>
+            <a:ext cx="8518673" cy="4849091"/>
+          </a:xfrm>
+          <a:prstGeom prst="rect">
+            <a:avLst/>
+          </a:prstGeom>
+        </p:spPr>
+      </p:pic>
+    </p:spTree>
+    <p:extLst>
+      <p:ext uri="{BB962C8B-B14F-4D97-AF65-F5344CB8AC3E}">
+        <p14:creationId xmlns:p14="http://schemas.microsoft.com/office/powerpoint/2010/main" val="1572934870"/>
+      </p:ext>
+    </p:extLst>
+  </p:cSld>
+  <p:clrMapOvr>
+    <a:masterClrMapping/>
+  </p:clrMapOvr>
+  <p:timing>
+    <p:tnLst>
+      <p:par>
+        <p:cTn id="1" dur="indefinite" restart="never" nodeType="tmRoot"/>
+      </p:par>
+    </p:tnLst>
+  </p:timing>
+</p:sld>
+</file>
+
+<file path=ppt/slides/slide52.xml><?xml version="1.0" encoding="utf-8"?>
+<p:sld xmlns:a="http://schemas.openxmlformats.org/drawingml/2006/main" xmlns:r="http://schemas.openxmlformats.org/officeDocument/2006/relationships" xmlns:p="http://schemas.openxmlformats.org/presentationml/2006/main">
+  <p:cSld>
+    <p:spTree>
+      <p:nvGrpSpPr>
+        <p:cNvPr id="1" name=""/>
+        <p:cNvGrpSpPr/>
+        <p:nvPr/>
+      </p:nvGrpSpPr>
+      <p:grpSpPr>
+        <a:xfrm>
+          <a:off x="0" y="0"/>
+          <a:ext cx="0" cy="0"/>
+          <a:chOff x="0" y="0"/>
+          <a:chExt cx="0" cy="0"/>
+        </a:xfrm>
+      </p:grpSpPr>
+      <p:sp>
+        <p:nvSpPr>
+          <p:cNvPr id="2" name="標題 1"/>
+          <p:cNvSpPr>
+            <a:spLocks noGrp="1"/>
+          </p:cNvSpPr>
+          <p:nvPr>
+            <p:ph type="title"/>
+          </p:nvPr>
+        </p:nvSpPr>
+        <p:spPr/>
+        <p:txBody>
+          <a:bodyPr>
+            <a:normAutofit/>
+          </a:bodyPr>
+          <a:lstStyle/>
+          <a:p>
+            <a:r>
+              <a:rPr lang="zh-TW" altLang="en-US" sz="4000" dirty="0">
+                <a:latin typeface="Meiryo UI" panose="020B0604030504040204" pitchFamily="34" charset="-128"/>
+                <a:ea typeface="Meiryo UI" panose="020B0604030504040204" pitchFamily="34" charset="-128"/>
+              </a:rPr>
               <a:t>驗證</a:t>
             </a:r>
             <a:r>
@@ -13343,7 +15598,7 @@
 </p:sld>
 </file>
 
-<file path=ppt/slides/slide43.xml><?xml version="1.0" encoding="utf-8"?>
+<file path=ppt/slides/slide53.xml><?xml version="1.0" encoding="utf-8"?>
 <p:sld xmlns:a="http://schemas.openxmlformats.org/drawingml/2006/main" xmlns:r="http://schemas.openxmlformats.org/officeDocument/2006/relationships" xmlns:p="http://schemas.openxmlformats.org/presentationml/2006/main">
   <p:cSld>
     <p:spTree>
@@ -13481,6 +15736,58 @@
           </a:p>
         </p:txBody>
       </p:sp>
+      <p:sp>
+        <p:nvSpPr>
+          <p:cNvPr id="3" name="文字方塊 2"/>
+          <p:cNvSpPr txBox="1"/>
+          <p:nvPr/>
+        </p:nvSpPr>
+        <p:spPr>
+          <a:xfrm>
+            <a:off x="5638800" y="685800"/>
+            <a:ext cx="3228109" cy="461665"/>
+          </a:xfrm>
+          <a:prstGeom prst="rect">
+            <a:avLst/>
+          </a:prstGeom>
+          <a:noFill/>
+        </p:spPr>
+        <p:txBody>
+          <a:bodyPr wrap="square" rtlCol="0">
+            <a:spAutoFit/>
+          </a:bodyPr>
+          <a:lstStyle/>
+          <a:p>
+            <a:r>
+              <a:rPr lang="zh-TW" altLang="en-US" sz="2400" b="1" dirty="0" smtClean="0">
+                <a:solidFill>
+                  <a:srgbClr val="FF0000"/>
+                </a:solidFill>
+                <a:latin typeface="Meiryo UI" panose="020B0604030504040204" pitchFamily="34" charset="-128"/>
+                <a:ea typeface="Meiryo UI" panose="020B0604030504040204" pitchFamily="34" charset="-128"/>
+              </a:rPr>
+              <a:t>學習率：</a:t>
+            </a:r>
+            <a:r>
+              <a:rPr lang="en-US" altLang="zh-TW" sz="2400" b="1" dirty="0" smtClean="0">
+                <a:solidFill>
+                  <a:srgbClr val="FF0000"/>
+                </a:solidFill>
+                <a:latin typeface="Meiryo UI" panose="020B0604030504040204" pitchFamily="34" charset="-128"/>
+                <a:ea typeface="Meiryo UI" panose="020B0604030504040204" pitchFamily="34" charset="-128"/>
+              </a:rPr>
+              <a:t>92.9%</a:t>
+            </a:r>
+            <a:endParaRPr lang="zh-TW" altLang="en-US" sz="2400" b="1" dirty="0">
+              <a:solidFill>
+                <a:srgbClr val="FF0000"/>
+              </a:solidFill>
+              <a:latin typeface="Meiryo UI" panose="020B0604030504040204" pitchFamily="34" charset="-128"/>
+              <a:ea typeface="Meiryo UI" panose="020B0604030504040204" pitchFamily="34" charset="-128"/>
+            </a:endParaRPr>
+          </a:p>
+        </p:txBody>
+      </p:sp>
     </p:spTree>
     <p:extLst>
       <p:ext uri="{BB962C8B-B14F-4D97-AF65-F5344CB8AC3E}">
@@ -13501,7 +15808,7 @@
 </p:sld>
 </file>
 
-<file path=ppt/slides/slide44.xml><?xml version="1.0" encoding="utf-8"?>
+<file path=ppt/slides/slide54.xml><?xml version="1.0" encoding="utf-8"?>
 <p:sld xmlns:a="http://schemas.openxmlformats.org/drawingml/2006/main" xmlns:r="http://schemas.openxmlformats.org/officeDocument/2006/relationships" xmlns:p="http://schemas.openxmlformats.org/presentationml/2006/main">
   <p:cSld>
     <p:spTree>
@@ -13625,7 +15932,7 @@
 </p:sld>
 </file>
 
-<file path=ppt/slides/slide45.xml><?xml version="1.0" encoding="utf-8"?>
+<file path=ppt/slides/slide55.xml><?xml version="1.0" encoding="utf-8"?>
 <p:sld xmlns:a="http://schemas.openxmlformats.org/drawingml/2006/main" xmlns:r="http://schemas.openxmlformats.org/officeDocument/2006/relationships" xmlns:p="http://schemas.openxmlformats.org/presentationml/2006/main">
   <p:cSld>
     <p:spTree>
@@ -13763,6 +16070,58 @@
           </a:p>
         </p:txBody>
       </p:sp>
+      <p:sp>
+        <p:nvSpPr>
+          <p:cNvPr id="7" name="文字方塊 6"/>
+          <p:cNvSpPr txBox="1"/>
+          <p:nvPr/>
+        </p:nvSpPr>
+        <p:spPr>
+          <a:xfrm>
+            <a:off x="5638800" y="685800"/>
+            <a:ext cx="3228109" cy="461665"/>
+          </a:xfrm>
+          <a:prstGeom prst="rect">
+            <a:avLst/>
+          </a:prstGeom>
+          <a:noFill/>
+        </p:spPr>
+        <p:txBody>
+          <a:bodyPr wrap="square" rtlCol="0">
+            <a:spAutoFit/>
+          </a:bodyPr>
+          <a:lstStyle/>
+          <a:p>
+            <a:r>
+              <a:rPr lang="zh-TW" altLang="en-US" sz="2400" b="1" dirty="0" smtClean="0">
+                <a:solidFill>
+                  <a:srgbClr val="FF0000"/>
+                </a:solidFill>
+                <a:latin typeface="Meiryo UI" panose="020B0604030504040204" pitchFamily="34" charset="-128"/>
+                <a:ea typeface="Meiryo UI" panose="020B0604030504040204" pitchFamily="34" charset="-128"/>
+              </a:rPr>
+              <a:t>學習率：</a:t>
+            </a:r>
+            <a:r>
+              <a:rPr lang="en-US" altLang="zh-TW" sz="2400" b="1" dirty="0" smtClean="0">
+                <a:solidFill>
+                  <a:srgbClr val="FF0000"/>
+                </a:solidFill>
+                <a:latin typeface="Meiryo UI" panose="020B0604030504040204" pitchFamily="34" charset="-128"/>
+                <a:ea typeface="Meiryo UI" panose="020B0604030504040204" pitchFamily="34" charset="-128"/>
+              </a:rPr>
+              <a:t>93.1%</a:t>
+            </a:r>
+            <a:endParaRPr lang="zh-TW" altLang="en-US" sz="2400" b="1" dirty="0">
+              <a:solidFill>
+                <a:srgbClr val="FF0000"/>
+              </a:solidFill>
+              <a:latin typeface="Meiryo UI" panose="020B0604030504040204" pitchFamily="34" charset="-128"/>
+              <a:ea typeface="Meiryo UI" panose="020B0604030504040204" pitchFamily="34" charset="-128"/>
+            </a:endParaRPr>
+          </a:p>
+        </p:txBody>
+      </p:sp>
     </p:spTree>
     <p:extLst>
       <p:ext uri="{BB962C8B-B14F-4D97-AF65-F5344CB8AC3E}">
@@ -13783,7 +16142,7 @@
 </p:sld>
 </file>
 
-<file path=ppt/slides/slide46.xml><?xml version="1.0" encoding="utf-8"?>
+<file path=ppt/slides/slide56.xml><?xml version="1.0" encoding="utf-8"?>
 <p:sld xmlns:a="http://schemas.openxmlformats.org/drawingml/2006/main" xmlns:r="http://schemas.openxmlformats.org/officeDocument/2006/relationships" xmlns:p="http://schemas.openxmlformats.org/presentationml/2006/main">
   <p:cSld>
     <p:spTree>
@@ -13935,7 +16294,7 @@
 </p:sld>
 </file>
 
-<file path=ppt/slides/slide47.xml><?xml version="1.0" encoding="utf-8"?>
+<file path=ppt/slides/slide57.xml><?xml version="1.0" encoding="utf-8"?>
 <p:sld xmlns:a="http://schemas.openxmlformats.org/drawingml/2006/main" xmlns:r="http://schemas.openxmlformats.org/officeDocument/2006/relationships" xmlns:p="http://schemas.openxmlformats.org/presentationml/2006/main">
   <p:cSld>
     <p:spTree>
@@ -14087,7 +16446,7 @@
 </p:sld>
 </file>
 
-<file path=ppt/slides/slide48.xml><?xml version="1.0" encoding="utf-8"?>
+<file path=ppt/slides/slide58.xml><?xml version="1.0" encoding="utf-8"?>
 <p:sld xmlns:a="http://schemas.openxmlformats.org/drawingml/2006/main" xmlns:r="http://schemas.openxmlformats.org/officeDocument/2006/relationships" xmlns:p="http://schemas.openxmlformats.org/presentationml/2006/main">
   <p:cSld>
     <p:spTree>
@@ -14222,403 +16581,6 @@
     <p:extLst>
       <p:ext uri="{BB962C8B-B14F-4D97-AF65-F5344CB8AC3E}">
         <p14:creationId xmlns:p14="http://schemas.microsoft.com/office/powerpoint/2010/main" val="1049224398"/>
-      </p:ext>
-    </p:extLst>
-  </p:cSld>
-  <p:clrMapOvr>
-    <a:masterClrMapping/>
-  </p:clrMapOvr>
-  <p:timing>
-    <p:tnLst>
-      <p:par>
-        <p:cTn id="1" dur="indefinite" restart="never" nodeType="tmRoot"/>
-      </p:par>
-    </p:tnLst>
-  </p:timing>
-</p:sld>
-</file>
-
-<file path=ppt/slides/slide5.xml><?xml version="1.0" encoding="utf-8"?>
-<p:sld xmlns:a="http://schemas.openxmlformats.org/drawingml/2006/main" xmlns:r="http://schemas.openxmlformats.org/officeDocument/2006/relationships" xmlns:p="http://schemas.openxmlformats.org/presentationml/2006/main">
-  <p:cSld>
-    <p:spTree>
-      <p:nvGrpSpPr>
-        <p:cNvPr id="1" name=""/>
-        <p:cNvGrpSpPr/>
-        <p:nvPr/>
-      </p:nvGrpSpPr>
-      <p:grpSpPr>
-        <a:xfrm>
-          <a:off x="0" y="0"/>
-          <a:ext cx="0" cy="0"/>
-          <a:chOff x="0" y="0"/>
-          <a:chExt cx="0" cy="0"/>
-        </a:xfrm>
-      </p:grpSpPr>
-      <p:sp>
-        <p:nvSpPr>
-          <p:cNvPr id="2" name="標題 1"/>
-          <p:cNvSpPr>
-            <a:spLocks noGrp="1"/>
-          </p:cNvSpPr>
-          <p:nvPr>
-            <p:ph type="title"/>
-          </p:nvPr>
-        </p:nvSpPr>
-        <p:spPr/>
-        <p:txBody>
-          <a:bodyPr/>
-          <a:lstStyle/>
-          <a:p>
-            <a:r>
-              <a:rPr lang="zh-TW" altLang="en-US" dirty="0" smtClean="0">
-                <a:latin typeface="Meiryo UI" panose="020B0604030504040204" pitchFamily="34" charset="-128"/>
-                <a:ea typeface="Meiryo UI" panose="020B0604030504040204" pitchFamily="34" charset="-128"/>
-              </a:rPr>
-              <a:t>乒乓球外部介面需求</a:t>
-            </a:r>
-            <a:endParaRPr lang="zh-TW" altLang="en-US" dirty="0">
-              <a:latin typeface="Meiryo UI" panose="020B0604030504040204" pitchFamily="34" charset="-128"/>
-              <a:ea typeface="Meiryo UI" panose="020B0604030504040204" pitchFamily="34" charset="-128"/>
-            </a:endParaRPr>
-          </a:p>
-        </p:txBody>
-      </p:sp>
-      <p:sp>
-        <p:nvSpPr>
-          <p:cNvPr id="3" name="內容版面配置區 2"/>
-          <p:cNvSpPr>
-            <a:spLocks noGrp="1"/>
-          </p:cNvSpPr>
-          <p:nvPr>
-            <p:ph idx="1"/>
-          </p:nvPr>
-        </p:nvSpPr>
-        <p:spPr>
-          <a:xfrm>
-            <a:off x="609600" y="1579418"/>
-            <a:ext cx="8368145" cy="5167745"/>
-          </a:xfrm>
-        </p:spPr>
-        <p:txBody>
-          <a:bodyPr>
-            <a:normAutofit/>
-          </a:bodyPr>
-          <a:lstStyle/>
-          <a:p>
-            <a:r>
-              <a:rPr lang="zh-TW" altLang="en-US" dirty="0" smtClean="0">
-                <a:latin typeface="Meiryo UI" panose="020B0604030504040204" pitchFamily="34" charset="-128"/>
-                <a:ea typeface="Meiryo UI" panose="020B0604030504040204" pitchFamily="34" charset="-128"/>
-              </a:rPr>
-              <a:t>終端</a:t>
-            </a:r>
-            <a:r>
-              <a:rPr lang="zh-TW" altLang="en-US" dirty="0">
-                <a:latin typeface="Meiryo UI" panose="020B0604030504040204" pitchFamily="34" charset="-128"/>
-                <a:ea typeface="Meiryo UI" panose="020B0604030504040204" pitchFamily="34" charset="-128"/>
-              </a:rPr>
-              <a:t>機</a:t>
-            </a:r>
-            <a:r>
-              <a:rPr lang="zh-TW" altLang="en-US" dirty="0" smtClean="0">
-                <a:latin typeface="Meiryo UI" panose="020B0604030504040204" pitchFamily="34" charset="-128"/>
-                <a:ea typeface="Meiryo UI" panose="020B0604030504040204" pitchFamily="34" charset="-128"/>
-              </a:rPr>
-              <a:t>執行遊戲：</a:t>
-            </a:r>
-            <a:endParaRPr lang="en-US" altLang="zh-TW" dirty="0" smtClean="0">
-              <a:latin typeface="Meiryo UI" panose="020B0604030504040204" pitchFamily="34" charset="-128"/>
-              <a:ea typeface="Meiryo UI" panose="020B0604030504040204" pitchFamily="34" charset="-128"/>
-            </a:endParaRPr>
-          </a:p>
-          <a:p>
-            <a:pPr lvl="1"/>
-            <a:r>
-              <a:rPr lang="en-US" altLang="zh-TW" i="0" dirty="0">
-                <a:latin typeface="Meiryo UI" panose="020B0604030504040204" pitchFamily="34" charset="-128"/>
-                <a:ea typeface="Meiryo UI" panose="020B0604030504040204" pitchFamily="34" charset="-128"/>
-              </a:rPr>
-              <a:t>p</a:t>
-            </a:r>
-            <a:r>
-              <a:rPr lang="en-US" altLang="zh-TW" i="0" dirty="0" smtClean="0">
-                <a:latin typeface="Meiryo UI" panose="020B0604030504040204" pitchFamily="34" charset="-128"/>
-                <a:ea typeface="Meiryo UI" panose="020B0604030504040204" pitchFamily="34" charset="-128"/>
-              </a:rPr>
-              <a:t>ython MLGame.py [options] </a:t>
-            </a:r>
-            <a:r>
-              <a:rPr lang="en-US" altLang="zh-TW" i="0" dirty="0" err="1" smtClean="0">
-                <a:latin typeface="Meiryo UI" panose="020B0604030504040204" pitchFamily="34" charset="-128"/>
-                <a:ea typeface="Meiryo UI" panose="020B0604030504040204" pitchFamily="34" charset="-128"/>
-              </a:rPr>
-              <a:t>pingpong</a:t>
-            </a:r>
-            <a:r>
-              <a:rPr lang="en-US" altLang="zh-TW" i="0" dirty="0" smtClean="0">
-                <a:latin typeface="Meiryo UI" panose="020B0604030504040204" pitchFamily="34" charset="-128"/>
-                <a:ea typeface="Meiryo UI" panose="020B0604030504040204" pitchFamily="34" charset="-128"/>
-              </a:rPr>
-              <a:t> [</a:t>
-            </a:r>
-            <a:r>
-              <a:rPr lang="en-US" altLang="zh-TW" i="0" dirty="0" err="1" smtClean="0">
-                <a:latin typeface="Meiryo UI" panose="020B0604030504040204" pitchFamily="34" charset="-128"/>
-                <a:ea typeface="Meiryo UI" panose="020B0604030504040204" pitchFamily="34" charset="-128"/>
-              </a:rPr>
-              <a:t>game_over_score</a:t>
-            </a:r>
-            <a:r>
-              <a:rPr lang="en-US" altLang="zh-TW" i="0" dirty="0" smtClean="0">
-                <a:latin typeface="Meiryo UI" panose="020B0604030504040204" pitchFamily="34" charset="-128"/>
-                <a:ea typeface="Meiryo UI" panose="020B0604030504040204" pitchFamily="34" charset="-128"/>
-              </a:rPr>
-              <a:t>]</a:t>
-            </a:r>
-          </a:p>
-          <a:p>
-            <a:pPr lvl="1"/>
-            <a:r>
-              <a:rPr lang="en-US" altLang="zh-TW" i="0" dirty="0">
-                <a:latin typeface="Meiryo UI" panose="020B0604030504040204" pitchFamily="34" charset="-128"/>
-                <a:ea typeface="Meiryo UI" panose="020B0604030504040204" pitchFamily="34" charset="-128"/>
-              </a:rPr>
-              <a:t>o</a:t>
-            </a:r>
-            <a:r>
-              <a:rPr lang="en-US" altLang="zh-TW" i="0" dirty="0" smtClean="0">
-                <a:latin typeface="Meiryo UI" panose="020B0604030504040204" pitchFamily="34" charset="-128"/>
-                <a:ea typeface="Meiryo UI" panose="020B0604030504040204" pitchFamily="34" charset="-128"/>
-              </a:rPr>
-              <a:t>ption </a:t>
-            </a:r>
-            <a:r>
-              <a:rPr lang="zh-TW" altLang="en-US" i="0" dirty="0" smtClean="0">
-                <a:latin typeface="Meiryo UI" panose="020B0604030504040204" pitchFamily="34" charset="-128"/>
-                <a:ea typeface="Meiryo UI" panose="020B0604030504040204" pitchFamily="34" charset="-128"/>
-              </a:rPr>
-              <a:t>可指定遊戲運行的方式，利用 </a:t>
-            </a:r>
-            <a:r>
-              <a:rPr lang="en-US" altLang="zh-TW" i="0" dirty="0" smtClean="0">
-                <a:latin typeface="Meiryo UI" panose="020B0604030504040204" pitchFamily="34" charset="-128"/>
-                <a:ea typeface="Meiryo UI" panose="020B0604030504040204" pitchFamily="34" charset="-128"/>
-              </a:rPr>
-              <a:t>python MLGame.py –h </a:t>
-            </a:r>
-            <a:r>
-              <a:rPr lang="zh-TW" altLang="en-US" i="0" dirty="0" smtClean="0">
-                <a:latin typeface="Meiryo UI" panose="020B0604030504040204" pitchFamily="34" charset="-128"/>
-                <a:ea typeface="Meiryo UI" panose="020B0604030504040204" pitchFamily="34" charset="-128"/>
-              </a:rPr>
-              <a:t>查看可用的選項</a:t>
-            </a:r>
-            <a:endParaRPr lang="en-US" altLang="zh-TW" i="0" dirty="0" smtClean="0">
-              <a:latin typeface="Meiryo UI" panose="020B0604030504040204" pitchFamily="34" charset="-128"/>
-              <a:ea typeface="Meiryo UI" panose="020B0604030504040204" pitchFamily="34" charset="-128"/>
-            </a:endParaRPr>
-          </a:p>
-          <a:p>
-            <a:pPr lvl="1"/>
-            <a:r>
-              <a:rPr lang="en-US" altLang="zh-TW" i="0" dirty="0" err="1" smtClean="0">
-                <a:latin typeface="Meiryo UI" panose="020B0604030504040204" pitchFamily="34" charset="-128"/>
-                <a:ea typeface="Meiryo UI" panose="020B0604030504040204" pitchFamily="34" charset="-128"/>
-              </a:rPr>
-              <a:t>game_over_score</a:t>
-            </a:r>
-            <a:r>
-              <a:rPr lang="zh-TW" altLang="en-US" i="0" dirty="0" smtClean="0">
-                <a:latin typeface="Meiryo UI" panose="020B0604030504040204" pitchFamily="34" charset="-128"/>
-                <a:ea typeface="Meiryo UI" panose="020B0604030504040204" pitchFamily="34" charset="-128"/>
-              </a:rPr>
-              <a:t> </a:t>
-            </a:r>
-            <a:r>
-              <a:rPr lang="zh-TW" altLang="en-US" i="0" dirty="0"/>
-              <a:t>：</a:t>
-            </a:r>
-            <a:r>
-              <a:rPr lang="zh-TW" altLang="en-US" i="0" dirty="0">
-                <a:latin typeface="Meiryo UI" panose="020B0604030504040204" pitchFamily="34" charset="-128"/>
-                <a:ea typeface="Meiryo UI" panose="020B0604030504040204" pitchFamily="34" charset="-128"/>
-              </a:rPr>
-              <a:t>指定遊戲結束的分數，當任一方達到此分數，就會結束遊戲。預設是 </a:t>
-            </a:r>
-            <a:r>
-              <a:rPr lang="en-US" altLang="zh-TW" i="0" dirty="0">
-                <a:latin typeface="Meiryo UI" panose="020B0604030504040204" pitchFamily="34" charset="-128"/>
-                <a:ea typeface="Meiryo UI" panose="020B0604030504040204" pitchFamily="34" charset="-128"/>
-              </a:rPr>
-              <a:t>3 </a:t>
-            </a:r>
-            <a:r>
-              <a:rPr lang="zh-TW" altLang="en-US" i="0" dirty="0">
-                <a:latin typeface="Meiryo UI" panose="020B0604030504040204" pitchFamily="34" charset="-128"/>
-                <a:ea typeface="Meiryo UI" panose="020B0604030504040204" pitchFamily="34" charset="-128"/>
-              </a:rPr>
-              <a:t>分。</a:t>
-            </a:r>
-            <a:endParaRPr lang="en-US" altLang="zh-TW" i="0" dirty="0" smtClean="0">
-              <a:latin typeface="Meiryo UI" panose="020B0604030504040204" pitchFamily="34" charset="-128"/>
-              <a:ea typeface="Meiryo UI" panose="020B0604030504040204" pitchFamily="34" charset="-128"/>
-            </a:endParaRPr>
-          </a:p>
-          <a:p>
-            <a:r>
-              <a:rPr lang="zh-TW" altLang="en-US" dirty="0" smtClean="0">
-                <a:latin typeface="Meiryo UI" panose="020B0604030504040204" pitchFamily="34" charset="-128"/>
-                <a:ea typeface="Meiryo UI" panose="020B0604030504040204" pitchFamily="34" charset="-128"/>
-              </a:rPr>
-              <a:t>手動執行乒乓球指令：</a:t>
-            </a:r>
-            <a:endParaRPr lang="en-US" altLang="zh-TW" dirty="0" smtClean="0">
-              <a:latin typeface="Meiryo UI" panose="020B0604030504040204" pitchFamily="34" charset="-128"/>
-              <a:ea typeface="Meiryo UI" panose="020B0604030504040204" pitchFamily="34" charset="-128"/>
-            </a:endParaRPr>
-          </a:p>
-          <a:p>
-            <a:pPr lvl="1"/>
-            <a:r>
-              <a:rPr lang="en-US" altLang="zh-TW" i="0" dirty="0">
-                <a:latin typeface="Meiryo UI" panose="020B0604030504040204" pitchFamily="34" charset="-128"/>
-                <a:ea typeface="Meiryo UI" panose="020B0604030504040204" pitchFamily="34" charset="-128"/>
-              </a:rPr>
-              <a:t>python MLGame.py -m </a:t>
-            </a:r>
-            <a:r>
-              <a:rPr lang="en-US" altLang="zh-TW" i="0" dirty="0" err="1" smtClean="0">
-                <a:latin typeface="Meiryo UI" panose="020B0604030504040204" pitchFamily="34" charset="-128"/>
-                <a:ea typeface="Meiryo UI" panose="020B0604030504040204" pitchFamily="34" charset="-128"/>
-              </a:rPr>
-              <a:t>pingpong</a:t>
-            </a:r>
-            <a:endParaRPr lang="en-US" altLang="zh-TW" i="0" dirty="0">
-              <a:latin typeface="Meiryo UI" panose="020B0604030504040204" pitchFamily="34" charset="-128"/>
-              <a:ea typeface="Meiryo UI" panose="020B0604030504040204" pitchFamily="34" charset="-128"/>
-            </a:endParaRPr>
-          </a:p>
-          <a:p>
-            <a:r>
-              <a:rPr lang="zh-TW" altLang="en-US" dirty="0" smtClean="0">
-                <a:latin typeface="Meiryo UI" panose="020B0604030504040204" pitchFamily="34" charset="-128"/>
-                <a:ea typeface="Meiryo UI" panose="020B0604030504040204" pitchFamily="34" charset="-128"/>
-              </a:rPr>
-              <a:t>機器學習模式中的手動模式</a:t>
-            </a:r>
-            <a:r>
-              <a:rPr lang="zh-TW" altLang="en-US" dirty="0">
-                <a:latin typeface="Meiryo UI" panose="020B0604030504040204" pitchFamily="34" charset="-128"/>
-                <a:ea typeface="Meiryo UI" panose="020B0604030504040204" pitchFamily="34" charset="-128"/>
-              </a:rPr>
-              <a:t>執行乒乓球指令：</a:t>
-            </a:r>
-            <a:endParaRPr lang="en-US" altLang="zh-TW" dirty="0">
-              <a:latin typeface="Meiryo UI" panose="020B0604030504040204" pitchFamily="34" charset="-128"/>
-              <a:ea typeface="Meiryo UI" panose="020B0604030504040204" pitchFamily="34" charset="-128"/>
-            </a:endParaRPr>
-          </a:p>
-          <a:p>
-            <a:pPr lvl="1"/>
-            <a:r>
-              <a:rPr lang="en-US" altLang="zh-TW" i="0" dirty="0" smtClean="0">
-                <a:latin typeface="Meiryo UI" panose="020B0604030504040204" pitchFamily="34" charset="-128"/>
-                <a:ea typeface="Meiryo UI" panose="020B0604030504040204" pitchFamily="34" charset="-128"/>
-              </a:rPr>
-              <a:t>python MLGame.py </a:t>
-            </a:r>
-            <a:r>
-              <a:rPr lang="en-US" altLang="zh-TW" i="0" dirty="0" err="1" smtClean="0">
-                <a:latin typeface="Meiryo UI" panose="020B0604030504040204" pitchFamily="34" charset="-128"/>
-                <a:ea typeface="Meiryo UI" panose="020B0604030504040204" pitchFamily="34" charset="-128"/>
-              </a:rPr>
-              <a:t>pingpong</a:t>
-            </a:r>
-            <a:r>
-              <a:rPr lang="en-US" altLang="zh-TW" i="0" dirty="0" smtClean="0">
-                <a:latin typeface="Meiryo UI" panose="020B0604030504040204" pitchFamily="34" charset="-128"/>
-                <a:ea typeface="Meiryo UI" panose="020B0604030504040204" pitchFamily="34" charset="-128"/>
-              </a:rPr>
-              <a:t> -</a:t>
-            </a:r>
-            <a:r>
-              <a:rPr lang="en-US" altLang="zh-TW" i="0" dirty="0" err="1" smtClean="0">
-                <a:latin typeface="Meiryo UI" panose="020B0604030504040204" pitchFamily="34" charset="-128"/>
-                <a:ea typeface="Meiryo UI" panose="020B0604030504040204" pitchFamily="34" charset="-128"/>
-              </a:rPr>
-              <a:t>i</a:t>
-            </a:r>
-            <a:r>
-              <a:rPr lang="en-US" altLang="zh-TW" i="0" dirty="0" smtClean="0">
-                <a:latin typeface="Meiryo UI" panose="020B0604030504040204" pitchFamily="34" charset="-128"/>
-                <a:ea typeface="Meiryo UI" panose="020B0604030504040204" pitchFamily="34" charset="-128"/>
-              </a:rPr>
-              <a:t> ml_play_template.py ml_play_manual.py</a:t>
-            </a:r>
-          </a:p>
-          <a:p>
-            <a:pPr lvl="1"/>
-            <a:r>
-              <a:rPr lang="en-US" altLang="zh-TW" i="0" dirty="0" smtClean="0">
-                <a:latin typeface="Meiryo UI" panose="020B0604030504040204" pitchFamily="34" charset="-128"/>
-                <a:ea typeface="Meiryo UI" panose="020B0604030504040204" pitchFamily="34" charset="-128"/>
-              </a:rPr>
-              <a:t>ml_play_template.py</a:t>
-            </a:r>
-            <a:r>
-              <a:rPr lang="zh-TW" altLang="en-US" i="0" dirty="0" smtClean="0">
-                <a:latin typeface="Meiryo UI" panose="020B0604030504040204" pitchFamily="34" charset="-128"/>
-                <a:ea typeface="Meiryo UI" panose="020B0604030504040204" pitchFamily="34" charset="-128"/>
-              </a:rPr>
-              <a:t> 是機器學習的檔案</a:t>
-            </a:r>
-            <a:endParaRPr lang="en-US" altLang="zh-TW" i="0" dirty="0" smtClean="0">
-              <a:latin typeface="Meiryo UI" panose="020B0604030504040204" pitchFamily="34" charset="-128"/>
-              <a:ea typeface="Meiryo UI" panose="020B0604030504040204" pitchFamily="34" charset="-128"/>
-            </a:endParaRPr>
-          </a:p>
-          <a:p>
-            <a:pPr lvl="1"/>
-            <a:r>
-              <a:rPr lang="en-US" altLang="zh-TW" i="0" dirty="0">
-                <a:latin typeface="Meiryo UI" panose="020B0604030504040204" pitchFamily="34" charset="-128"/>
-                <a:ea typeface="Meiryo UI" panose="020B0604030504040204" pitchFamily="34" charset="-128"/>
-              </a:rPr>
-              <a:t>ml_play_manual.py</a:t>
-            </a:r>
-            <a:r>
-              <a:rPr lang="en-US" altLang="zh-TW" dirty="0">
-                <a:latin typeface="Meiryo UI" panose="020B0604030504040204" pitchFamily="34" charset="-128"/>
-                <a:ea typeface="Meiryo UI" panose="020B0604030504040204" pitchFamily="34" charset="-128"/>
-              </a:rPr>
-              <a:t> </a:t>
-            </a:r>
-            <a:r>
-              <a:rPr lang="zh-TW" altLang="en-US" dirty="0">
-                <a:latin typeface="Meiryo UI" panose="020B0604030504040204" pitchFamily="34" charset="-128"/>
-                <a:ea typeface="Meiryo UI" panose="020B0604030504040204" pitchFamily="34" charset="-128"/>
-              </a:rPr>
-              <a:t>是手動模式的</a:t>
-            </a:r>
-            <a:r>
-              <a:rPr lang="zh-TW" altLang="en-US" dirty="0" smtClean="0">
-                <a:latin typeface="Meiryo UI" panose="020B0604030504040204" pitchFamily="34" charset="-128"/>
-                <a:ea typeface="Meiryo UI" panose="020B0604030504040204" pitchFamily="34" charset="-128"/>
-              </a:rPr>
-              <a:t>檔案</a:t>
-            </a:r>
-            <a:endParaRPr lang="en-US" altLang="zh-TW" i="0" dirty="0">
-              <a:latin typeface="Meiryo UI" panose="020B0604030504040204" pitchFamily="34" charset="-128"/>
-              <a:ea typeface="Meiryo UI" panose="020B0604030504040204" pitchFamily="34" charset="-128"/>
-            </a:endParaRPr>
-          </a:p>
-        </p:txBody>
-      </p:sp>
-    </p:spTree>
-    <p:extLst>
-      <p:ext uri="{BB962C8B-B14F-4D97-AF65-F5344CB8AC3E}">
-        <p14:creationId xmlns:p14="http://schemas.microsoft.com/office/powerpoint/2010/main" val="3394567714"/>
       </p:ext>
     </p:extLst>
   </p:cSld>
